--- a/posterfigs/titlegraphic.pptx
+++ b/posterfigs/titlegraphic.pptx
@@ -2,19 +2,19 @@
 <file path=ppt/presentation.xml><?xml version="1.0" encoding="utf-8"?>
 <p:presentation xmlns:a="http://schemas.openxmlformats.org/drawingml/2006/main" xmlns:r="http://schemas.openxmlformats.org/officeDocument/2006/relationships" xmlns:p="http://schemas.openxmlformats.org/presentationml/2006/main" saveSubsetFonts="1">
   <p:sldMasterIdLst>
-    <p:sldMasterId id="2147483648" r:id="rId1"/>
+    <p:sldMasterId id="2147483672" r:id="rId14"/>
   </p:sldMasterIdLst>
   <p:sldIdLst>
-    <p:sldId id="256" r:id="rId2"/>
+    <p:sldId id="257" r:id="rId15"/>
   </p:sldIdLst>
-  <p:sldSz cx="9144000" cy="6858000" type="screen4x3"/>
+  <p:sldSz cx="5029200" cy="2286000"/>
   <p:notesSz cx="6858000" cy="9144000"/>
   <p:defaultTextStyle>
     <a:defPPr>
       <a:defRPr lang="en-US"/>
     </a:defPPr>
-    <a:lvl1pPr marL="0" algn="l" defTabSz="914400" rtl="0" eaLnBrk="1" latinLnBrk="0" hangingPunct="1">
-      <a:defRPr sz="1800" kern="1200">
+    <a:lvl1pPr marL="0" algn="l" defTabSz="372994" rtl="0" eaLnBrk="1" latinLnBrk="0" hangingPunct="1">
+      <a:defRPr sz="734" kern="1200">
         <a:solidFill>
           <a:schemeClr val="tx1"/>
         </a:solidFill>
@@ -23,8 +23,8 @@
         <a:cs typeface="+mn-cs"/>
       </a:defRPr>
     </a:lvl1pPr>
-    <a:lvl2pPr marL="457200" algn="l" defTabSz="914400" rtl="0" eaLnBrk="1" latinLnBrk="0" hangingPunct="1">
-      <a:defRPr sz="1800" kern="1200">
+    <a:lvl2pPr marL="186499" algn="l" defTabSz="372994" rtl="0" eaLnBrk="1" latinLnBrk="0" hangingPunct="1">
+      <a:defRPr sz="734" kern="1200">
         <a:solidFill>
           <a:schemeClr val="tx1"/>
         </a:solidFill>
@@ -33,8 +33,8 @@
         <a:cs typeface="+mn-cs"/>
       </a:defRPr>
     </a:lvl2pPr>
-    <a:lvl3pPr marL="914400" algn="l" defTabSz="914400" rtl="0" eaLnBrk="1" latinLnBrk="0" hangingPunct="1">
-      <a:defRPr sz="1800" kern="1200">
+    <a:lvl3pPr marL="372994" algn="l" defTabSz="372994" rtl="0" eaLnBrk="1" latinLnBrk="0" hangingPunct="1">
+      <a:defRPr sz="734" kern="1200">
         <a:solidFill>
           <a:schemeClr val="tx1"/>
         </a:solidFill>
@@ -43,8 +43,8 @@
         <a:cs typeface="+mn-cs"/>
       </a:defRPr>
     </a:lvl3pPr>
-    <a:lvl4pPr marL="1371600" algn="l" defTabSz="914400" rtl="0" eaLnBrk="1" latinLnBrk="0" hangingPunct="1">
-      <a:defRPr sz="1800" kern="1200">
+    <a:lvl4pPr marL="559495" algn="l" defTabSz="372994" rtl="0" eaLnBrk="1" latinLnBrk="0" hangingPunct="1">
+      <a:defRPr sz="734" kern="1200">
         <a:solidFill>
           <a:schemeClr val="tx1"/>
         </a:solidFill>
@@ -53,8 +53,8 @@
         <a:cs typeface="+mn-cs"/>
       </a:defRPr>
     </a:lvl4pPr>
-    <a:lvl5pPr marL="1828800" algn="l" defTabSz="914400" rtl="0" eaLnBrk="1" latinLnBrk="0" hangingPunct="1">
-      <a:defRPr sz="1800" kern="1200">
+    <a:lvl5pPr marL="745992" algn="l" defTabSz="372994" rtl="0" eaLnBrk="1" latinLnBrk="0" hangingPunct="1">
+      <a:defRPr sz="734" kern="1200">
         <a:solidFill>
           <a:schemeClr val="tx1"/>
         </a:solidFill>
@@ -63,8 +63,8 @@
         <a:cs typeface="+mn-cs"/>
       </a:defRPr>
     </a:lvl5pPr>
-    <a:lvl6pPr marL="2286000" algn="l" defTabSz="914400" rtl="0" eaLnBrk="1" latinLnBrk="0" hangingPunct="1">
-      <a:defRPr sz="1800" kern="1200">
+    <a:lvl6pPr marL="932491" algn="l" defTabSz="372994" rtl="0" eaLnBrk="1" latinLnBrk="0" hangingPunct="1">
+      <a:defRPr sz="734" kern="1200">
         <a:solidFill>
           <a:schemeClr val="tx1"/>
         </a:solidFill>
@@ -73,8 +73,8 @@
         <a:cs typeface="+mn-cs"/>
       </a:defRPr>
     </a:lvl6pPr>
-    <a:lvl7pPr marL="2743200" algn="l" defTabSz="914400" rtl="0" eaLnBrk="1" latinLnBrk="0" hangingPunct="1">
-      <a:defRPr sz="1800" kern="1200">
+    <a:lvl7pPr marL="1118990" algn="l" defTabSz="372994" rtl="0" eaLnBrk="1" latinLnBrk="0" hangingPunct="1">
+      <a:defRPr sz="734" kern="1200">
         <a:solidFill>
           <a:schemeClr val="tx1"/>
         </a:solidFill>
@@ -83,8 +83,8 @@
         <a:cs typeface="+mn-cs"/>
       </a:defRPr>
     </a:lvl7pPr>
-    <a:lvl8pPr marL="3200400" algn="l" defTabSz="914400" rtl="0" eaLnBrk="1" latinLnBrk="0" hangingPunct="1">
-      <a:defRPr sz="1800" kern="1200">
+    <a:lvl8pPr marL="1305487" algn="l" defTabSz="372994" rtl="0" eaLnBrk="1" latinLnBrk="0" hangingPunct="1">
+      <a:defRPr sz="734" kern="1200">
         <a:solidFill>
           <a:schemeClr val="tx1"/>
         </a:solidFill>
@@ -93,8 +93,8 @@
         <a:cs typeface="+mn-cs"/>
       </a:defRPr>
     </a:lvl8pPr>
-    <a:lvl9pPr marL="3657600" algn="l" defTabSz="914400" rtl="0" eaLnBrk="1" latinLnBrk="0" hangingPunct="1">
-      <a:defRPr sz="1800" kern="1200">
+    <a:lvl9pPr marL="1491986" algn="l" defTabSz="372994" rtl="0" eaLnBrk="1" latinLnBrk="0" hangingPunct="1">
+      <a:defRPr sz="734" kern="1200">
         <a:solidFill>
           <a:schemeClr val="tx1"/>
         </a:solidFill>
@@ -136,19 +136,23 @@
         </p:nvSpPr>
         <p:spPr>
           <a:xfrm>
-            <a:off x="685800" y="2130425"/>
-            <a:ext cx="7772400" cy="1470025"/>
+            <a:off x="628650" y="374121"/>
+            <a:ext cx="3771900" cy="795867"/>
           </a:xfrm>
         </p:spPr>
         <p:txBody>
-          <a:bodyPr/>
-          <a:lstStyle/>
+          <a:bodyPr anchor="b"/>
+          <a:lstStyle>
+            <a:lvl1pPr algn="ctr">
+              <a:defRPr sz="2000"/>
+            </a:lvl1pPr>
+          </a:lstStyle>
           <a:p>
             <a:r>
               <a:rPr lang="en-US" smtClean="0"/>
               <a:t>Click to edit Master title style</a:t>
             </a:r>
-            <a:endParaRPr lang="en-US"/>
+            <a:endParaRPr lang="en-US" dirty="0"/>
           </a:p>
         </p:txBody>
       </p:sp>
@@ -164,8 +168,8 @@
         </p:nvSpPr>
         <p:spPr>
           <a:xfrm>
-            <a:off x="1371600" y="3886200"/>
-            <a:ext cx="6400800" cy="1752600"/>
+            <a:off x="628650" y="1200679"/>
+            <a:ext cx="3771900" cy="551921"/>
           </a:xfrm>
         </p:spPr>
         <p:txBody>
@@ -173,93 +177,39 @@
           <a:lstStyle>
             <a:lvl1pPr marL="0" indent="0" algn="ctr">
               <a:buNone/>
-              <a:defRPr>
-                <a:solidFill>
-                  <a:schemeClr val="tx1">
-                    <a:tint val="75000"/>
-                  </a:schemeClr>
-                </a:solidFill>
-              </a:defRPr>
+              <a:defRPr sz="800"/>
             </a:lvl1pPr>
-            <a:lvl2pPr marL="457200" indent="0" algn="ctr">
-              <a:buNone/>
-              <a:defRPr>
-                <a:solidFill>
-                  <a:schemeClr val="tx1">
-                    <a:tint val="75000"/>
-                  </a:schemeClr>
-                </a:solidFill>
-              </a:defRPr>
+            <a:lvl2pPr marL="152385" indent="0" algn="ctr">
+              <a:buNone/>
+              <a:defRPr sz="667"/>
             </a:lvl2pPr>
-            <a:lvl3pPr marL="914400" indent="0" algn="ctr">
-              <a:buNone/>
-              <a:defRPr>
-                <a:solidFill>
-                  <a:schemeClr val="tx1">
-                    <a:tint val="75000"/>
-                  </a:schemeClr>
-                </a:solidFill>
-              </a:defRPr>
+            <a:lvl3pPr marL="304770" indent="0" algn="ctr">
+              <a:buNone/>
+              <a:defRPr sz="600"/>
             </a:lvl3pPr>
-            <a:lvl4pPr marL="1371600" indent="0" algn="ctr">
-              <a:buNone/>
-              <a:defRPr>
-                <a:solidFill>
-                  <a:schemeClr val="tx1">
-                    <a:tint val="75000"/>
-                  </a:schemeClr>
-                </a:solidFill>
-              </a:defRPr>
+            <a:lvl4pPr marL="457154" indent="0" algn="ctr">
+              <a:buNone/>
+              <a:defRPr sz="533"/>
             </a:lvl4pPr>
-            <a:lvl5pPr marL="1828800" indent="0" algn="ctr">
-              <a:buNone/>
-              <a:defRPr>
-                <a:solidFill>
-                  <a:schemeClr val="tx1">
-                    <a:tint val="75000"/>
-                  </a:schemeClr>
-                </a:solidFill>
-              </a:defRPr>
+            <a:lvl5pPr marL="609539" indent="0" algn="ctr">
+              <a:buNone/>
+              <a:defRPr sz="533"/>
             </a:lvl5pPr>
-            <a:lvl6pPr marL="2286000" indent="0" algn="ctr">
-              <a:buNone/>
-              <a:defRPr>
-                <a:solidFill>
-                  <a:schemeClr val="tx1">
-                    <a:tint val="75000"/>
-                  </a:schemeClr>
-                </a:solidFill>
-              </a:defRPr>
+            <a:lvl6pPr marL="761924" indent="0" algn="ctr">
+              <a:buNone/>
+              <a:defRPr sz="533"/>
             </a:lvl6pPr>
-            <a:lvl7pPr marL="2743200" indent="0" algn="ctr">
-              <a:buNone/>
-              <a:defRPr>
-                <a:solidFill>
-                  <a:schemeClr val="tx1">
-                    <a:tint val="75000"/>
-                  </a:schemeClr>
-                </a:solidFill>
-              </a:defRPr>
+            <a:lvl7pPr marL="914309" indent="0" algn="ctr">
+              <a:buNone/>
+              <a:defRPr sz="533"/>
             </a:lvl7pPr>
-            <a:lvl8pPr marL="3200400" indent="0" algn="ctr">
-              <a:buNone/>
-              <a:defRPr>
-                <a:solidFill>
-                  <a:schemeClr val="tx1">
-                    <a:tint val="75000"/>
-                  </a:schemeClr>
-                </a:solidFill>
-              </a:defRPr>
+            <a:lvl8pPr marL="1066693" indent="0" algn="ctr">
+              <a:buNone/>
+              <a:defRPr sz="533"/>
             </a:lvl8pPr>
-            <a:lvl9pPr marL="3657600" indent="0" algn="ctr">
-              <a:buNone/>
-              <a:defRPr>
-                <a:solidFill>
-                  <a:schemeClr val="tx1">
-                    <a:tint val="75000"/>
-                  </a:schemeClr>
-                </a:solidFill>
-              </a:defRPr>
+            <a:lvl9pPr marL="1219078" indent="0" algn="ctr">
+              <a:buNone/>
+              <a:defRPr sz="533"/>
             </a:lvl9pPr>
           </a:lstStyle>
           <a:p>
@@ -267,7 +217,7 @@
               <a:rPr lang="en-US" smtClean="0"/>
               <a:t>Click to edit Master subtitle style</a:t>
             </a:r>
-            <a:endParaRPr lang="en-US"/>
+            <a:endParaRPr lang="en-US" dirty="0"/>
           </a:p>
         </p:txBody>
       </p:sp>
@@ -286,9 +236,9 @@
           <a:bodyPr/>
           <a:lstStyle/>
           <a:p>
-            <a:fld id="{20FB0255-B5DB-46FA-967A-DA0374A9CD9A}" type="datetimeFigureOut">
-              <a:rPr lang="en-US" smtClean="0"/>
-              <a:t>5/13/2014</a:t>
+            <a:fld id="{826BABD9-5B28-46C1-A021-719E36C8F576}" type="datetimeFigureOut">
+              <a:rPr lang="en-US" smtClean="0"/>
+              <a:t>4/11/2016</a:t>
             </a:fld>
             <a:endParaRPr lang="en-US"/>
           </a:p>
@@ -328,7 +278,7 @@
           <a:bodyPr/>
           <a:lstStyle/>
           <a:p>
-            <a:fld id="{019A3BD6-3C80-458A-81A5-9F275B22957D}" type="slidenum">
+            <a:fld id="{BFCA410A-F057-47E9-9447-DCE499AB4620}" type="slidenum">
               <a:rPr lang="en-US" smtClean="0"/>
               <a:t>‹#›</a:t>
             </a:fld>
@@ -339,7 +289,7 @@
     </p:spTree>
     <p:extLst>
       <p:ext uri="{BB962C8B-B14F-4D97-AF65-F5344CB8AC3E}">
-        <p14:creationId xmlns:p14="http://schemas.microsoft.com/office/powerpoint/2010/main" val="270027380"/>
+        <p14:creationId xmlns:p14="http://schemas.microsoft.com/office/powerpoint/2010/main" val="2672424362"/>
       </p:ext>
     </p:extLst>
   </p:cSld>
@@ -385,7 +335,7 @@
               <a:rPr lang="en-US" smtClean="0"/>
               <a:t>Click to edit Master title style</a:t>
             </a:r>
-            <a:endParaRPr lang="en-US"/>
+            <a:endParaRPr lang="en-US" dirty="0"/>
           </a:p>
         </p:txBody>
       </p:sp>
@@ -437,7 +387,7 @@
               <a:rPr lang="en-US" smtClean="0"/>
               <a:t>Fifth level</a:t>
             </a:r>
-            <a:endParaRPr lang="en-US"/>
+            <a:endParaRPr lang="en-US" dirty="0"/>
           </a:p>
         </p:txBody>
       </p:sp>
@@ -456,9 +406,9 @@
           <a:bodyPr/>
           <a:lstStyle/>
           <a:p>
-            <a:fld id="{20FB0255-B5DB-46FA-967A-DA0374A9CD9A}" type="datetimeFigureOut">
-              <a:rPr lang="en-US" smtClean="0"/>
-              <a:t>5/13/2014</a:t>
+            <a:fld id="{826BABD9-5B28-46C1-A021-719E36C8F576}" type="datetimeFigureOut">
+              <a:rPr lang="en-US" smtClean="0"/>
+              <a:t>4/11/2016</a:t>
             </a:fld>
             <a:endParaRPr lang="en-US"/>
           </a:p>
@@ -498,7 +448,7 @@
           <a:bodyPr/>
           <a:lstStyle/>
           <a:p>
-            <a:fld id="{019A3BD6-3C80-458A-81A5-9F275B22957D}" type="slidenum">
+            <a:fld id="{BFCA410A-F057-47E9-9447-DCE499AB4620}" type="slidenum">
               <a:rPr lang="en-US" smtClean="0"/>
               <a:t>‹#›</a:t>
             </a:fld>
@@ -509,7 +459,7 @@
     </p:spTree>
     <p:extLst>
       <p:ext uri="{BB962C8B-B14F-4D97-AF65-F5344CB8AC3E}">
-        <p14:creationId xmlns:p14="http://schemas.microsoft.com/office/powerpoint/2010/main" val="2717349785"/>
+        <p14:creationId xmlns:p14="http://schemas.microsoft.com/office/powerpoint/2010/main" val="2154736314"/>
       </p:ext>
     </p:extLst>
   </p:cSld>
@@ -548,8 +498,8 @@
         </p:nvSpPr>
         <p:spPr>
           <a:xfrm>
-            <a:off x="6629400" y="274638"/>
-            <a:ext cx="2057400" cy="5851525"/>
+            <a:off x="3599021" y="121709"/>
+            <a:ext cx="1084421" cy="1937279"/>
           </a:xfrm>
         </p:spPr>
         <p:txBody>
@@ -560,7 +510,7 @@
               <a:rPr lang="en-US" smtClean="0"/>
               <a:t>Click to edit Master title style</a:t>
             </a:r>
-            <a:endParaRPr lang="en-US"/>
+            <a:endParaRPr lang="en-US" dirty="0"/>
           </a:p>
         </p:txBody>
       </p:sp>
@@ -576,8 +526,8 @@
         </p:nvSpPr>
         <p:spPr>
           <a:xfrm>
-            <a:off x="457200" y="274638"/>
-            <a:ext cx="6019800" cy="5851525"/>
+            <a:off x="345757" y="121709"/>
+            <a:ext cx="3190399" cy="1937279"/>
           </a:xfrm>
         </p:spPr>
         <p:txBody>
@@ -617,7 +567,7 @@
               <a:rPr lang="en-US" smtClean="0"/>
               <a:t>Fifth level</a:t>
             </a:r>
-            <a:endParaRPr lang="en-US"/>
+            <a:endParaRPr lang="en-US" dirty="0"/>
           </a:p>
         </p:txBody>
       </p:sp>
@@ -636,9 +586,9 @@
           <a:bodyPr/>
           <a:lstStyle/>
           <a:p>
-            <a:fld id="{20FB0255-B5DB-46FA-967A-DA0374A9CD9A}" type="datetimeFigureOut">
-              <a:rPr lang="en-US" smtClean="0"/>
-              <a:t>5/13/2014</a:t>
+            <a:fld id="{826BABD9-5B28-46C1-A021-719E36C8F576}" type="datetimeFigureOut">
+              <a:rPr lang="en-US" smtClean="0"/>
+              <a:t>4/11/2016</a:t>
             </a:fld>
             <a:endParaRPr lang="en-US"/>
           </a:p>
@@ -678,7 +628,7 @@
           <a:bodyPr/>
           <a:lstStyle/>
           <a:p>
-            <a:fld id="{019A3BD6-3C80-458A-81A5-9F275B22957D}" type="slidenum">
+            <a:fld id="{BFCA410A-F057-47E9-9447-DCE499AB4620}" type="slidenum">
               <a:rPr lang="en-US" smtClean="0"/>
               <a:t>‹#›</a:t>
             </a:fld>
@@ -689,7 +639,7 @@
     </p:spTree>
     <p:extLst>
       <p:ext uri="{BB962C8B-B14F-4D97-AF65-F5344CB8AC3E}">
-        <p14:creationId xmlns:p14="http://schemas.microsoft.com/office/powerpoint/2010/main" val="2298531751"/>
+        <p14:creationId xmlns:p14="http://schemas.microsoft.com/office/powerpoint/2010/main" val="1724308277"/>
       </p:ext>
     </p:extLst>
   </p:cSld>
@@ -735,7 +685,7 @@
               <a:rPr lang="en-US" smtClean="0"/>
               <a:t>Click to edit Master title style</a:t>
             </a:r>
-            <a:endParaRPr lang="en-US"/>
+            <a:endParaRPr lang="en-US" dirty="0"/>
           </a:p>
         </p:txBody>
       </p:sp>
@@ -787,7 +737,7 @@
               <a:rPr lang="en-US" smtClean="0"/>
               <a:t>Fifth level</a:t>
             </a:r>
-            <a:endParaRPr lang="en-US"/>
+            <a:endParaRPr lang="en-US" dirty="0"/>
           </a:p>
         </p:txBody>
       </p:sp>
@@ -806,9 +756,9 @@
           <a:bodyPr/>
           <a:lstStyle/>
           <a:p>
-            <a:fld id="{20FB0255-B5DB-46FA-967A-DA0374A9CD9A}" type="datetimeFigureOut">
-              <a:rPr lang="en-US" smtClean="0"/>
-              <a:t>5/13/2014</a:t>
+            <a:fld id="{826BABD9-5B28-46C1-A021-719E36C8F576}" type="datetimeFigureOut">
+              <a:rPr lang="en-US" smtClean="0"/>
+              <a:t>4/11/2016</a:t>
             </a:fld>
             <a:endParaRPr lang="en-US"/>
           </a:p>
@@ -848,7 +798,7 @@
           <a:bodyPr/>
           <a:lstStyle/>
           <a:p>
-            <a:fld id="{019A3BD6-3C80-458A-81A5-9F275B22957D}" type="slidenum">
+            <a:fld id="{BFCA410A-F057-47E9-9447-DCE499AB4620}" type="slidenum">
               <a:rPr lang="en-US" smtClean="0"/>
               <a:t>‹#›</a:t>
             </a:fld>
@@ -859,7 +809,7 @@
     </p:spTree>
     <p:extLst>
       <p:ext uri="{BB962C8B-B14F-4D97-AF65-F5344CB8AC3E}">
-        <p14:creationId xmlns:p14="http://schemas.microsoft.com/office/powerpoint/2010/main" val="2565438440"/>
+        <p14:creationId xmlns:p14="http://schemas.microsoft.com/office/powerpoint/2010/main" val="1584999455"/>
       </p:ext>
     </p:extLst>
   </p:cSld>
@@ -898,15 +848,15 @@
         </p:nvSpPr>
         <p:spPr>
           <a:xfrm>
-            <a:off x="722313" y="4406900"/>
-            <a:ext cx="7772400" cy="1362075"/>
+            <a:off x="343138" y="569913"/>
+            <a:ext cx="4337685" cy="950912"/>
           </a:xfrm>
         </p:spPr>
         <p:txBody>
-          <a:bodyPr anchor="t"/>
+          <a:bodyPr anchor="b"/>
           <a:lstStyle>
-            <a:lvl1pPr algn="l">
-              <a:defRPr sz="4000" b="1" cap="all"/>
+            <a:lvl1pPr>
+              <a:defRPr sz="2000"/>
             </a:lvl1pPr>
           </a:lstStyle>
           <a:p>
@@ -914,7 +864,7 @@
               <a:rPr lang="en-US" smtClean="0"/>
               <a:t>Click to edit Master title style</a:t>
             </a:r>
-            <a:endParaRPr lang="en-US"/>
+            <a:endParaRPr lang="en-US" dirty="0"/>
           </a:p>
         </p:txBody>
       </p:sp>
@@ -930,16 +880,16 @@
         </p:nvSpPr>
         <p:spPr>
           <a:xfrm>
-            <a:off x="722313" y="2906713"/>
-            <a:ext cx="7772400" cy="1500187"/>
+            <a:off x="343138" y="1529821"/>
+            <a:ext cx="4337685" cy="500062"/>
           </a:xfrm>
         </p:spPr>
         <p:txBody>
-          <a:bodyPr anchor="b"/>
+          <a:bodyPr/>
           <a:lstStyle>
             <a:lvl1pPr marL="0" indent="0">
               <a:buNone/>
-              <a:defRPr sz="2000">
+              <a:defRPr sz="800">
                 <a:solidFill>
                   <a:schemeClr val="tx1">
                     <a:tint val="75000"/>
@@ -947,9 +897,9 @@
                 </a:solidFill>
               </a:defRPr>
             </a:lvl1pPr>
-            <a:lvl2pPr marL="457200" indent="0">
-              <a:buNone/>
-              <a:defRPr sz="1800">
+            <a:lvl2pPr marL="152385" indent="0">
+              <a:buNone/>
+              <a:defRPr sz="667">
                 <a:solidFill>
                   <a:schemeClr val="tx1">
                     <a:tint val="75000"/>
@@ -957,9 +907,9 @@
                 </a:solidFill>
               </a:defRPr>
             </a:lvl2pPr>
-            <a:lvl3pPr marL="914400" indent="0">
-              <a:buNone/>
-              <a:defRPr sz="1600">
+            <a:lvl3pPr marL="304770" indent="0">
+              <a:buNone/>
+              <a:defRPr sz="600">
                 <a:solidFill>
                   <a:schemeClr val="tx1">
                     <a:tint val="75000"/>
@@ -967,9 +917,9 @@
                 </a:solidFill>
               </a:defRPr>
             </a:lvl3pPr>
-            <a:lvl4pPr marL="1371600" indent="0">
-              <a:buNone/>
-              <a:defRPr sz="1400">
+            <a:lvl4pPr marL="457154" indent="0">
+              <a:buNone/>
+              <a:defRPr sz="533">
                 <a:solidFill>
                   <a:schemeClr val="tx1">
                     <a:tint val="75000"/>
@@ -977,9 +927,9 @@
                 </a:solidFill>
               </a:defRPr>
             </a:lvl4pPr>
-            <a:lvl5pPr marL="1828800" indent="0">
-              <a:buNone/>
-              <a:defRPr sz="1400">
+            <a:lvl5pPr marL="609539" indent="0">
+              <a:buNone/>
+              <a:defRPr sz="533">
                 <a:solidFill>
                   <a:schemeClr val="tx1">
                     <a:tint val="75000"/>
@@ -987,9 +937,9 @@
                 </a:solidFill>
               </a:defRPr>
             </a:lvl5pPr>
-            <a:lvl6pPr marL="2286000" indent="0">
-              <a:buNone/>
-              <a:defRPr sz="1400">
+            <a:lvl6pPr marL="761924" indent="0">
+              <a:buNone/>
+              <a:defRPr sz="533">
                 <a:solidFill>
                   <a:schemeClr val="tx1">
                     <a:tint val="75000"/>
@@ -997,9 +947,9 @@
                 </a:solidFill>
               </a:defRPr>
             </a:lvl6pPr>
-            <a:lvl7pPr marL="2743200" indent="0">
-              <a:buNone/>
-              <a:defRPr sz="1400">
+            <a:lvl7pPr marL="914309" indent="0">
+              <a:buNone/>
+              <a:defRPr sz="533">
                 <a:solidFill>
                   <a:schemeClr val="tx1">
                     <a:tint val="75000"/>
@@ -1007,9 +957,9 @@
                 </a:solidFill>
               </a:defRPr>
             </a:lvl7pPr>
-            <a:lvl8pPr marL="3200400" indent="0">
-              <a:buNone/>
-              <a:defRPr sz="1400">
+            <a:lvl8pPr marL="1066693" indent="0">
+              <a:buNone/>
+              <a:defRPr sz="533">
                 <a:solidFill>
                   <a:schemeClr val="tx1">
                     <a:tint val="75000"/>
@@ -1017,9 +967,9 @@
                 </a:solidFill>
               </a:defRPr>
             </a:lvl8pPr>
-            <a:lvl9pPr marL="3657600" indent="0">
-              <a:buNone/>
-              <a:defRPr sz="1400">
+            <a:lvl9pPr marL="1219078" indent="0">
+              <a:buNone/>
+              <a:defRPr sz="533">
                 <a:solidFill>
                   <a:schemeClr val="tx1">
                     <a:tint val="75000"/>
@@ -1052,9 +1002,9 @@
           <a:bodyPr/>
           <a:lstStyle/>
           <a:p>
-            <a:fld id="{20FB0255-B5DB-46FA-967A-DA0374A9CD9A}" type="datetimeFigureOut">
-              <a:rPr lang="en-US" smtClean="0"/>
-              <a:t>5/13/2014</a:t>
+            <a:fld id="{826BABD9-5B28-46C1-A021-719E36C8F576}" type="datetimeFigureOut">
+              <a:rPr lang="en-US" smtClean="0"/>
+              <a:t>4/11/2016</a:t>
             </a:fld>
             <a:endParaRPr lang="en-US"/>
           </a:p>
@@ -1094,7 +1044,7 @@
           <a:bodyPr/>
           <a:lstStyle/>
           <a:p>
-            <a:fld id="{019A3BD6-3C80-458A-81A5-9F275B22957D}" type="slidenum">
+            <a:fld id="{BFCA410A-F057-47E9-9447-DCE499AB4620}" type="slidenum">
               <a:rPr lang="en-US" smtClean="0"/>
               <a:t>‹#›</a:t>
             </a:fld>
@@ -1105,7 +1055,7 @@
     </p:spTree>
     <p:extLst>
       <p:ext uri="{BB962C8B-B14F-4D97-AF65-F5344CB8AC3E}">
-        <p14:creationId xmlns:p14="http://schemas.microsoft.com/office/powerpoint/2010/main" val="423232144"/>
+        <p14:creationId xmlns:p14="http://schemas.microsoft.com/office/powerpoint/2010/main" val="3489177480"/>
       </p:ext>
     </p:extLst>
   </p:cSld>
@@ -1151,7 +1101,7 @@
               <a:rPr lang="en-US" smtClean="0"/>
               <a:t>Click to edit Master title style</a:t>
             </a:r>
-            <a:endParaRPr lang="en-US"/>
+            <a:endParaRPr lang="en-US" dirty="0"/>
           </a:p>
         </p:txBody>
       </p:sp>
@@ -1167,41 +1117,13 @@
         </p:nvSpPr>
         <p:spPr>
           <a:xfrm>
-            <a:off x="457200" y="1600200"/>
-            <a:ext cx="4038600" cy="4525963"/>
+            <a:off x="345758" y="608542"/>
+            <a:ext cx="2137410" cy="1450446"/>
           </a:xfrm>
         </p:spPr>
         <p:txBody>
           <a:bodyPr/>
-          <a:lstStyle>
-            <a:lvl1pPr>
-              <a:defRPr sz="2800"/>
-            </a:lvl1pPr>
-            <a:lvl2pPr>
-              <a:defRPr sz="2400"/>
-            </a:lvl2pPr>
-            <a:lvl3pPr>
-              <a:defRPr sz="2000"/>
-            </a:lvl3pPr>
-            <a:lvl4pPr>
-              <a:defRPr sz="1800"/>
-            </a:lvl4pPr>
-            <a:lvl5pPr>
-              <a:defRPr sz="1800"/>
-            </a:lvl5pPr>
-            <a:lvl6pPr>
-              <a:defRPr sz="1800"/>
-            </a:lvl6pPr>
-            <a:lvl7pPr>
-              <a:defRPr sz="1800"/>
-            </a:lvl7pPr>
-            <a:lvl8pPr>
-              <a:defRPr sz="1800"/>
-            </a:lvl8pPr>
-            <a:lvl9pPr>
-              <a:defRPr sz="1800"/>
-            </a:lvl9pPr>
-          </a:lstStyle>
+          <a:lstStyle/>
           <a:p>
             <a:pPr lvl="0"/>
             <a:r>
@@ -1236,7 +1158,7 @@
               <a:rPr lang="en-US" smtClean="0"/>
               <a:t>Fifth level</a:t>
             </a:r>
-            <a:endParaRPr lang="en-US"/>
+            <a:endParaRPr lang="en-US" dirty="0"/>
           </a:p>
         </p:txBody>
       </p:sp>
@@ -1252,41 +1174,13 @@
         </p:nvSpPr>
         <p:spPr>
           <a:xfrm>
-            <a:off x="4648200" y="1600200"/>
-            <a:ext cx="4038600" cy="4525963"/>
+            <a:off x="2546033" y="608542"/>
+            <a:ext cx="2137410" cy="1450446"/>
           </a:xfrm>
         </p:spPr>
         <p:txBody>
           <a:bodyPr/>
-          <a:lstStyle>
-            <a:lvl1pPr>
-              <a:defRPr sz="2800"/>
-            </a:lvl1pPr>
-            <a:lvl2pPr>
-              <a:defRPr sz="2400"/>
-            </a:lvl2pPr>
-            <a:lvl3pPr>
-              <a:defRPr sz="2000"/>
-            </a:lvl3pPr>
-            <a:lvl4pPr>
-              <a:defRPr sz="1800"/>
-            </a:lvl4pPr>
-            <a:lvl5pPr>
-              <a:defRPr sz="1800"/>
-            </a:lvl5pPr>
-            <a:lvl6pPr>
-              <a:defRPr sz="1800"/>
-            </a:lvl6pPr>
-            <a:lvl7pPr>
-              <a:defRPr sz="1800"/>
-            </a:lvl7pPr>
-            <a:lvl8pPr>
-              <a:defRPr sz="1800"/>
-            </a:lvl8pPr>
-            <a:lvl9pPr>
-              <a:defRPr sz="1800"/>
-            </a:lvl9pPr>
-          </a:lstStyle>
+          <a:lstStyle/>
           <a:p>
             <a:pPr lvl="0"/>
             <a:r>
@@ -1321,7 +1215,7 @@
               <a:rPr lang="en-US" smtClean="0"/>
               <a:t>Fifth level</a:t>
             </a:r>
-            <a:endParaRPr lang="en-US"/>
+            <a:endParaRPr lang="en-US" dirty="0"/>
           </a:p>
         </p:txBody>
       </p:sp>
@@ -1340,9 +1234,9 @@
           <a:bodyPr/>
           <a:lstStyle/>
           <a:p>
-            <a:fld id="{20FB0255-B5DB-46FA-967A-DA0374A9CD9A}" type="datetimeFigureOut">
-              <a:rPr lang="en-US" smtClean="0"/>
-              <a:t>5/13/2014</a:t>
+            <a:fld id="{826BABD9-5B28-46C1-A021-719E36C8F576}" type="datetimeFigureOut">
+              <a:rPr lang="en-US" smtClean="0"/>
+              <a:t>4/11/2016</a:t>
             </a:fld>
             <a:endParaRPr lang="en-US"/>
           </a:p>
@@ -1382,7 +1276,7 @@
           <a:bodyPr/>
           <a:lstStyle/>
           <a:p>
-            <a:fld id="{019A3BD6-3C80-458A-81A5-9F275B22957D}" type="slidenum">
+            <a:fld id="{BFCA410A-F057-47E9-9447-DCE499AB4620}" type="slidenum">
               <a:rPr lang="en-US" smtClean="0"/>
               <a:t>‹#›</a:t>
             </a:fld>
@@ -1393,7 +1287,7 @@
     </p:spTree>
     <p:extLst>
       <p:ext uri="{BB962C8B-B14F-4D97-AF65-F5344CB8AC3E}">
-        <p14:creationId xmlns:p14="http://schemas.microsoft.com/office/powerpoint/2010/main" val="2275194390"/>
+        <p14:creationId xmlns:p14="http://schemas.microsoft.com/office/powerpoint/2010/main" val="3878074241"/>
       </p:ext>
     </p:extLst>
   </p:cSld>
@@ -1430,37 +1324,38 @@
             <p:ph type="title"/>
           </p:nvPr>
         </p:nvSpPr>
-        <p:spPr/>
-        <p:txBody>
-          <a:bodyPr/>
-          <a:lstStyle>
-            <a:lvl1pPr>
-              <a:defRPr/>
-            </a:lvl1pPr>
-          </a:lstStyle>
-          <a:p>
-            <a:r>
-              <a:rPr lang="en-US" smtClean="0"/>
-              <a:t>Click to edit Master title style</a:t>
-            </a:r>
-            <a:endParaRPr lang="en-US"/>
-          </a:p>
-        </p:txBody>
-      </p:sp>
-      <p:sp>
-        <p:nvSpPr>
-          <p:cNvPr id="3" name="Text Placeholder 2"/>
-          <p:cNvSpPr>
-            <a:spLocks noGrp="1"/>
-          </p:cNvSpPr>
-          <p:nvPr>
-            <p:ph type="body" idx="1"/>
-          </p:nvPr>
-        </p:nvSpPr>
         <p:spPr>
           <a:xfrm>
-            <a:off x="457200" y="1535113"/>
-            <a:ext cx="4040188" cy="639762"/>
+            <a:off x="346413" y="121709"/>
+            <a:ext cx="4337685" cy="441854"/>
+          </a:xfrm>
+        </p:spPr>
+        <p:txBody>
+          <a:bodyPr/>
+          <a:lstStyle/>
+          <a:p>
+            <a:r>
+              <a:rPr lang="en-US" smtClean="0"/>
+              <a:t>Click to edit Master title style</a:t>
+            </a:r>
+            <a:endParaRPr lang="en-US" dirty="0"/>
+          </a:p>
+        </p:txBody>
+      </p:sp>
+      <p:sp>
+        <p:nvSpPr>
+          <p:cNvPr id="3" name="Text Placeholder 2"/>
+          <p:cNvSpPr>
+            <a:spLocks noGrp="1"/>
+          </p:cNvSpPr>
+          <p:nvPr>
+            <p:ph type="body" idx="1"/>
+          </p:nvPr>
+        </p:nvSpPr>
+        <p:spPr>
+          <a:xfrm>
+            <a:off x="346413" y="560388"/>
+            <a:ext cx="2127587" cy="274637"/>
           </a:xfrm>
         </p:spPr>
         <p:txBody>
@@ -1468,39 +1363,39 @@
           <a:lstStyle>
             <a:lvl1pPr marL="0" indent="0">
               <a:buNone/>
-              <a:defRPr sz="2400" b="1"/>
+              <a:defRPr sz="800" b="1"/>
             </a:lvl1pPr>
-            <a:lvl2pPr marL="457200" indent="0">
-              <a:buNone/>
-              <a:defRPr sz="2000" b="1"/>
+            <a:lvl2pPr marL="152385" indent="0">
+              <a:buNone/>
+              <a:defRPr sz="667" b="1"/>
             </a:lvl2pPr>
-            <a:lvl3pPr marL="914400" indent="0">
-              <a:buNone/>
-              <a:defRPr sz="1800" b="1"/>
+            <a:lvl3pPr marL="304770" indent="0">
+              <a:buNone/>
+              <a:defRPr sz="600" b="1"/>
             </a:lvl3pPr>
-            <a:lvl4pPr marL="1371600" indent="0">
-              <a:buNone/>
-              <a:defRPr sz="1600" b="1"/>
+            <a:lvl4pPr marL="457154" indent="0">
+              <a:buNone/>
+              <a:defRPr sz="533" b="1"/>
             </a:lvl4pPr>
-            <a:lvl5pPr marL="1828800" indent="0">
-              <a:buNone/>
-              <a:defRPr sz="1600" b="1"/>
+            <a:lvl5pPr marL="609539" indent="0">
+              <a:buNone/>
+              <a:defRPr sz="533" b="1"/>
             </a:lvl5pPr>
-            <a:lvl6pPr marL="2286000" indent="0">
-              <a:buNone/>
-              <a:defRPr sz="1600" b="1"/>
+            <a:lvl6pPr marL="761924" indent="0">
+              <a:buNone/>
+              <a:defRPr sz="533" b="1"/>
             </a:lvl6pPr>
-            <a:lvl7pPr marL="2743200" indent="0">
-              <a:buNone/>
-              <a:defRPr sz="1600" b="1"/>
+            <a:lvl7pPr marL="914309" indent="0">
+              <a:buNone/>
+              <a:defRPr sz="533" b="1"/>
             </a:lvl7pPr>
-            <a:lvl8pPr marL="3200400" indent="0">
-              <a:buNone/>
-              <a:defRPr sz="1600" b="1"/>
+            <a:lvl8pPr marL="1066693" indent="0">
+              <a:buNone/>
+              <a:defRPr sz="533" b="1"/>
             </a:lvl8pPr>
-            <a:lvl9pPr marL="3657600" indent="0">
-              <a:buNone/>
-              <a:defRPr sz="1600" b="1"/>
+            <a:lvl9pPr marL="1219078" indent="0">
+              <a:buNone/>
+              <a:defRPr sz="533" b="1"/>
             </a:lvl9pPr>
           </a:lstStyle>
           <a:p>
@@ -1524,41 +1419,13 @@
         </p:nvSpPr>
         <p:spPr>
           <a:xfrm>
-            <a:off x="457200" y="2174875"/>
-            <a:ext cx="4040188" cy="3951288"/>
+            <a:off x="346413" y="835025"/>
+            <a:ext cx="2127587" cy="1228196"/>
           </a:xfrm>
         </p:spPr>
         <p:txBody>
           <a:bodyPr/>
-          <a:lstStyle>
-            <a:lvl1pPr>
-              <a:defRPr sz="2400"/>
-            </a:lvl1pPr>
-            <a:lvl2pPr>
-              <a:defRPr sz="2000"/>
-            </a:lvl2pPr>
-            <a:lvl3pPr>
-              <a:defRPr sz="1800"/>
-            </a:lvl3pPr>
-            <a:lvl4pPr>
-              <a:defRPr sz="1600"/>
-            </a:lvl4pPr>
-            <a:lvl5pPr>
-              <a:defRPr sz="1600"/>
-            </a:lvl5pPr>
-            <a:lvl6pPr>
-              <a:defRPr sz="1600"/>
-            </a:lvl6pPr>
-            <a:lvl7pPr>
-              <a:defRPr sz="1600"/>
-            </a:lvl7pPr>
-            <a:lvl8pPr>
-              <a:defRPr sz="1600"/>
-            </a:lvl8pPr>
-            <a:lvl9pPr>
-              <a:defRPr sz="1600"/>
-            </a:lvl9pPr>
-          </a:lstStyle>
+          <a:lstStyle/>
           <a:p>
             <a:pPr lvl="0"/>
             <a:r>
@@ -1593,7 +1460,7 @@
               <a:rPr lang="en-US" smtClean="0"/>
               <a:t>Fifth level</a:t>
             </a:r>
-            <a:endParaRPr lang="en-US"/>
+            <a:endParaRPr lang="en-US" dirty="0"/>
           </a:p>
         </p:txBody>
       </p:sp>
@@ -1609,8 +1476,8 @@
         </p:nvSpPr>
         <p:spPr>
           <a:xfrm>
-            <a:off x="4645025" y="1535113"/>
-            <a:ext cx="4041775" cy="639762"/>
+            <a:off x="2546033" y="560388"/>
+            <a:ext cx="2138065" cy="274637"/>
           </a:xfrm>
         </p:spPr>
         <p:txBody>
@@ -1618,39 +1485,39 @@
           <a:lstStyle>
             <a:lvl1pPr marL="0" indent="0">
               <a:buNone/>
-              <a:defRPr sz="2400" b="1"/>
+              <a:defRPr sz="800" b="1"/>
             </a:lvl1pPr>
-            <a:lvl2pPr marL="457200" indent="0">
-              <a:buNone/>
-              <a:defRPr sz="2000" b="1"/>
+            <a:lvl2pPr marL="152385" indent="0">
+              <a:buNone/>
+              <a:defRPr sz="667" b="1"/>
             </a:lvl2pPr>
-            <a:lvl3pPr marL="914400" indent="0">
-              <a:buNone/>
-              <a:defRPr sz="1800" b="1"/>
+            <a:lvl3pPr marL="304770" indent="0">
+              <a:buNone/>
+              <a:defRPr sz="600" b="1"/>
             </a:lvl3pPr>
-            <a:lvl4pPr marL="1371600" indent="0">
-              <a:buNone/>
-              <a:defRPr sz="1600" b="1"/>
+            <a:lvl4pPr marL="457154" indent="0">
+              <a:buNone/>
+              <a:defRPr sz="533" b="1"/>
             </a:lvl4pPr>
-            <a:lvl5pPr marL="1828800" indent="0">
-              <a:buNone/>
-              <a:defRPr sz="1600" b="1"/>
+            <a:lvl5pPr marL="609539" indent="0">
+              <a:buNone/>
+              <a:defRPr sz="533" b="1"/>
             </a:lvl5pPr>
-            <a:lvl6pPr marL="2286000" indent="0">
-              <a:buNone/>
-              <a:defRPr sz="1600" b="1"/>
+            <a:lvl6pPr marL="761924" indent="0">
+              <a:buNone/>
+              <a:defRPr sz="533" b="1"/>
             </a:lvl6pPr>
-            <a:lvl7pPr marL="2743200" indent="0">
-              <a:buNone/>
-              <a:defRPr sz="1600" b="1"/>
+            <a:lvl7pPr marL="914309" indent="0">
+              <a:buNone/>
+              <a:defRPr sz="533" b="1"/>
             </a:lvl7pPr>
-            <a:lvl8pPr marL="3200400" indent="0">
-              <a:buNone/>
-              <a:defRPr sz="1600" b="1"/>
+            <a:lvl8pPr marL="1066693" indent="0">
+              <a:buNone/>
+              <a:defRPr sz="533" b="1"/>
             </a:lvl8pPr>
-            <a:lvl9pPr marL="3657600" indent="0">
-              <a:buNone/>
-              <a:defRPr sz="1600" b="1"/>
+            <a:lvl9pPr marL="1219078" indent="0">
+              <a:buNone/>
+              <a:defRPr sz="533" b="1"/>
             </a:lvl9pPr>
           </a:lstStyle>
           <a:p>
@@ -1674,41 +1541,13 @@
         </p:nvSpPr>
         <p:spPr>
           <a:xfrm>
-            <a:off x="4645025" y="2174875"/>
-            <a:ext cx="4041775" cy="3951288"/>
+            <a:off x="2546033" y="835025"/>
+            <a:ext cx="2138065" cy="1228196"/>
           </a:xfrm>
         </p:spPr>
         <p:txBody>
           <a:bodyPr/>
-          <a:lstStyle>
-            <a:lvl1pPr>
-              <a:defRPr sz="2400"/>
-            </a:lvl1pPr>
-            <a:lvl2pPr>
-              <a:defRPr sz="2000"/>
-            </a:lvl2pPr>
-            <a:lvl3pPr>
-              <a:defRPr sz="1800"/>
-            </a:lvl3pPr>
-            <a:lvl4pPr>
-              <a:defRPr sz="1600"/>
-            </a:lvl4pPr>
-            <a:lvl5pPr>
-              <a:defRPr sz="1600"/>
-            </a:lvl5pPr>
-            <a:lvl6pPr>
-              <a:defRPr sz="1600"/>
-            </a:lvl6pPr>
-            <a:lvl7pPr>
-              <a:defRPr sz="1600"/>
-            </a:lvl7pPr>
-            <a:lvl8pPr>
-              <a:defRPr sz="1600"/>
-            </a:lvl8pPr>
-            <a:lvl9pPr>
-              <a:defRPr sz="1600"/>
-            </a:lvl9pPr>
-          </a:lstStyle>
+          <a:lstStyle/>
           <a:p>
             <a:pPr lvl="0"/>
             <a:r>
@@ -1743,7 +1582,7 @@
               <a:rPr lang="en-US" smtClean="0"/>
               <a:t>Fifth level</a:t>
             </a:r>
-            <a:endParaRPr lang="en-US"/>
+            <a:endParaRPr lang="en-US" dirty="0"/>
           </a:p>
         </p:txBody>
       </p:sp>
@@ -1762,9 +1601,9 @@
           <a:bodyPr/>
           <a:lstStyle/>
           <a:p>
-            <a:fld id="{20FB0255-B5DB-46FA-967A-DA0374A9CD9A}" type="datetimeFigureOut">
-              <a:rPr lang="en-US" smtClean="0"/>
-              <a:t>5/13/2014</a:t>
+            <a:fld id="{826BABD9-5B28-46C1-A021-719E36C8F576}" type="datetimeFigureOut">
+              <a:rPr lang="en-US" smtClean="0"/>
+              <a:t>4/11/2016</a:t>
             </a:fld>
             <a:endParaRPr lang="en-US"/>
           </a:p>
@@ -1804,7 +1643,7 @@
           <a:bodyPr/>
           <a:lstStyle/>
           <a:p>
-            <a:fld id="{019A3BD6-3C80-458A-81A5-9F275B22957D}" type="slidenum">
+            <a:fld id="{BFCA410A-F057-47E9-9447-DCE499AB4620}" type="slidenum">
               <a:rPr lang="en-US" smtClean="0"/>
               <a:t>‹#›</a:t>
             </a:fld>
@@ -1815,7 +1654,7 @@
     </p:spTree>
     <p:extLst>
       <p:ext uri="{BB962C8B-B14F-4D97-AF65-F5344CB8AC3E}">
-        <p14:creationId xmlns:p14="http://schemas.microsoft.com/office/powerpoint/2010/main" val="12018459"/>
+        <p14:creationId xmlns:p14="http://schemas.microsoft.com/office/powerpoint/2010/main" val="1086383756"/>
       </p:ext>
     </p:extLst>
   </p:cSld>
@@ -1861,7 +1700,7 @@
               <a:rPr lang="en-US" smtClean="0"/>
               <a:t>Click to edit Master title style</a:t>
             </a:r>
-            <a:endParaRPr lang="en-US"/>
+            <a:endParaRPr lang="en-US" dirty="0"/>
           </a:p>
         </p:txBody>
       </p:sp>
@@ -1880,9 +1719,9 @@
           <a:bodyPr/>
           <a:lstStyle/>
           <a:p>
-            <a:fld id="{20FB0255-B5DB-46FA-967A-DA0374A9CD9A}" type="datetimeFigureOut">
-              <a:rPr lang="en-US" smtClean="0"/>
-              <a:t>5/13/2014</a:t>
+            <a:fld id="{826BABD9-5B28-46C1-A021-719E36C8F576}" type="datetimeFigureOut">
+              <a:rPr lang="en-US" smtClean="0"/>
+              <a:t>4/11/2016</a:t>
             </a:fld>
             <a:endParaRPr lang="en-US"/>
           </a:p>
@@ -1922,7 +1761,7 @@
           <a:bodyPr/>
           <a:lstStyle/>
           <a:p>
-            <a:fld id="{019A3BD6-3C80-458A-81A5-9F275B22957D}" type="slidenum">
+            <a:fld id="{BFCA410A-F057-47E9-9447-DCE499AB4620}" type="slidenum">
               <a:rPr lang="en-US" smtClean="0"/>
               <a:t>‹#›</a:t>
             </a:fld>
@@ -1933,7 +1772,7 @@
     </p:spTree>
     <p:extLst>
       <p:ext uri="{BB962C8B-B14F-4D97-AF65-F5344CB8AC3E}">
-        <p14:creationId xmlns:p14="http://schemas.microsoft.com/office/powerpoint/2010/main" val="1699984014"/>
+        <p14:creationId xmlns:p14="http://schemas.microsoft.com/office/powerpoint/2010/main" val="3956305438"/>
       </p:ext>
     </p:extLst>
   </p:cSld>
@@ -1975,9 +1814,9 @@
           <a:bodyPr/>
           <a:lstStyle/>
           <a:p>
-            <a:fld id="{20FB0255-B5DB-46FA-967A-DA0374A9CD9A}" type="datetimeFigureOut">
-              <a:rPr lang="en-US" smtClean="0"/>
-              <a:t>5/13/2014</a:t>
+            <a:fld id="{826BABD9-5B28-46C1-A021-719E36C8F576}" type="datetimeFigureOut">
+              <a:rPr lang="en-US" smtClean="0"/>
+              <a:t>4/11/2016</a:t>
             </a:fld>
             <a:endParaRPr lang="en-US"/>
           </a:p>
@@ -2017,7 +1856,7 @@
           <a:bodyPr/>
           <a:lstStyle/>
           <a:p>
-            <a:fld id="{019A3BD6-3C80-458A-81A5-9F275B22957D}" type="slidenum">
+            <a:fld id="{BFCA410A-F057-47E9-9447-DCE499AB4620}" type="slidenum">
               <a:rPr lang="en-US" smtClean="0"/>
               <a:t>‹#›</a:t>
             </a:fld>
@@ -2028,7 +1867,7 @@
     </p:spTree>
     <p:extLst>
       <p:ext uri="{BB962C8B-B14F-4D97-AF65-F5344CB8AC3E}">
-        <p14:creationId xmlns:p14="http://schemas.microsoft.com/office/powerpoint/2010/main" val="2872654668"/>
+        <p14:creationId xmlns:p14="http://schemas.microsoft.com/office/powerpoint/2010/main" val="3267703755"/>
       </p:ext>
     </p:extLst>
   </p:cSld>
@@ -2067,15 +1906,15 @@
         </p:nvSpPr>
         <p:spPr>
           <a:xfrm>
-            <a:off x="457200" y="273050"/>
-            <a:ext cx="3008313" cy="1162050"/>
+            <a:off x="346413" y="152400"/>
+            <a:ext cx="1622048" cy="533400"/>
           </a:xfrm>
         </p:spPr>
         <p:txBody>
           <a:bodyPr anchor="b"/>
           <a:lstStyle>
-            <a:lvl1pPr algn="l">
-              <a:defRPr sz="2000" b="1"/>
+            <a:lvl1pPr>
+              <a:defRPr sz="1067"/>
             </a:lvl1pPr>
           </a:lstStyle>
           <a:p>
@@ -2083,7 +1922,7 @@
               <a:rPr lang="en-US" smtClean="0"/>
               <a:t>Click to edit Master title style</a:t>
             </a:r>
-            <a:endParaRPr lang="en-US"/>
+            <a:endParaRPr lang="en-US" dirty="0"/>
           </a:p>
         </p:txBody>
       </p:sp>
@@ -2099,39 +1938,39 @@
         </p:nvSpPr>
         <p:spPr>
           <a:xfrm>
-            <a:off x="3575050" y="273050"/>
-            <a:ext cx="5111750" cy="5853113"/>
+            <a:off x="2138065" y="329142"/>
+            <a:ext cx="2546033" cy="1624542"/>
           </a:xfrm>
         </p:spPr>
         <p:txBody>
           <a:bodyPr/>
           <a:lstStyle>
             <a:lvl1pPr>
-              <a:defRPr sz="3200"/>
+              <a:defRPr sz="1067"/>
             </a:lvl1pPr>
             <a:lvl2pPr>
-              <a:defRPr sz="2800"/>
+              <a:defRPr sz="933"/>
             </a:lvl2pPr>
             <a:lvl3pPr>
-              <a:defRPr sz="2400"/>
+              <a:defRPr sz="800"/>
             </a:lvl3pPr>
             <a:lvl4pPr>
-              <a:defRPr sz="2000"/>
+              <a:defRPr sz="667"/>
             </a:lvl4pPr>
             <a:lvl5pPr>
-              <a:defRPr sz="2000"/>
+              <a:defRPr sz="667"/>
             </a:lvl5pPr>
             <a:lvl6pPr>
-              <a:defRPr sz="2000"/>
+              <a:defRPr sz="667"/>
             </a:lvl6pPr>
             <a:lvl7pPr>
-              <a:defRPr sz="2000"/>
+              <a:defRPr sz="667"/>
             </a:lvl7pPr>
             <a:lvl8pPr>
-              <a:defRPr sz="2000"/>
+              <a:defRPr sz="667"/>
             </a:lvl8pPr>
             <a:lvl9pPr>
-              <a:defRPr sz="2000"/>
+              <a:defRPr sz="667"/>
             </a:lvl9pPr>
           </a:lstStyle>
           <a:p>
@@ -2168,7 +2007,7 @@
               <a:rPr lang="en-US" smtClean="0"/>
               <a:t>Fifth level</a:t>
             </a:r>
-            <a:endParaRPr lang="en-US"/>
+            <a:endParaRPr lang="en-US" dirty="0"/>
           </a:p>
         </p:txBody>
       </p:sp>
@@ -2184,8 +2023,8 @@
         </p:nvSpPr>
         <p:spPr>
           <a:xfrm>
-            <a:off x="457200" y="1435100"/>
-            <a:ext cx="3008313" cy="4691063"/>
+            <a:off x="346413" y="685800"/>
+            <a:ext cx="1622048" cy="1270529"/>
           </a:xfrm>
         </p:spPr>
         <p:txBody>
@@ -2193,39 +2032,39 @@
           <a:lstStyle>
             <a:lvl1pPr marL="0" indent="0">
               <a:buNone/>
-              <a:defRPr sz="1400"/>
+              <a:defRPr sz="533"/>
             </a:lvl1pPr>
-            <a:lvl2pPr marL="457200" indent="0">
-              <a:buNone/>
-              <a:defRPr sz="1200"/>
+            <a:lvl2pPr marL="152385" indent="0">
+              <a:buNone/>
+              <a:defRPr sz="467"/>
             </a:lvl2pPr>
-            <a:lvl3pPr marL="914400" indent="0">
-              <a:buNone/>
-              <a:defRPr sz="1000"/>
+            <a:lvl3pPr marL="304770" indent="0">
+              <a:buNone/>
+              <a:defRPr sz="400"/>
             </a:lvl3pPr>
-            <a:lvl4pPr marL="1371600" indent="0">
-              <a:buNone/>
-              <a:defRPr sz="900"/>
+            <a:lvl4pPr marL="457154" indent="0">
+              <a:buNone/>
+              <a:defRPr sz="333"/>
             </a:lvl4pPr>
-            <a:lvl5pPr marL="1828800" indent="0">
-              <a:buNone/>
-              <a:defRPr sz="900"/>
+            <a:lvl5pPr marL="609539" indent="0">
+              <a:buNone/>
+              <a:defRPr sz="333"/>
             </a:lvl5pPr>
-            <a:lvl6pPr marL="2286000" indent="0">
-              <a:buNone/>
-              <a:defRPr sz="900"/>
+            <a:lvl6pPr marL="761924" indent="0">
+              <a:buNone/>
+              <a:defRPr sz="333"/>
             </a:lvl6pPr>
-            <a:lvl7pPr marL="2743200" indent="0">
-              <a:buNone/>
-              <a:defRPr sz="900"/>
+            <a:lvl7pPr marL="914309" indent="0">
+              <a:buNone/>
+              <a:defRPr sz="333"/>
             </a:lvl7pPr>
-            <a:lvl8pPr marL="3200400" indent="0">
-              <a:buNone/>
-              <a:defRPr sz="900"/>
+            <a:lvl8pPr marL="1066693" indent="0">
+              <a:buNone/>
+              <a:defRPr sz="333"/>
             </a:lvl8pPr>
-            <a:lvl9pPr marL="3657600" indent="0">
-              <a:buNone/>
-              <a:defRPr sz="900"/>
+            <a:lvl9pPr marL="1219078" indent="0">
+              <a:buNone/>
+              <a:defRPr sz="333"/>
             </a:lvl9pPr>
           </a:lstStyle>
           <a:p>
@@ -2252,9 +2091,9 @@
           <a:bodyPr/>
           <a:lstStyle/>
           <a:p>
-            <a:fld id="{20FB0255-B5DB-46FA-967A-DA0374A9CD9A}" type="datetimeFigureOut">
-              <a:rPr lang="en-US" smtClean="0"/>
-              <a:t>5/13/2014</a:t>
+            <a:fld id="{826BABD9-5B28-46C1-A021-719E36C8F576}" type="datetimeFigureOut">
+              <a:rPr lang="en-US" smtClean="0"/>
+              <a:t>4/11/2016</a:t>
             </a:fld>
             <a:endParaRPr lang="en-US"/>
           </a:p>
@@ -2294,7 +2133,7 @@
           <a:bodyPr/>
           <a:lstStyle/>
           <a:p>
-            <a:fld id="{019A3BD6-3C80-458A-81A5-9F275B22957D}" type="slidenum">
+            <a:fld id="{BFCA410A-F057-47E9-9447-DCE499AB4620}" type="slidenum">
               <a:rPr lang="en-US" smtClean="0"/>
               <a:t>‹#›</a:t>
             </a:fld>
@@ -2305,7 +2144,7 @@
     </p:spTree>
     <p:extLst>
       <p:ext uri="{BB962C8B-B14F-4D97-AF65-F5344CB8AC3E}">
-        <p14:creationId xmlns:p14="http://schemas.microsoft.com/office/powerpoint/2010/main" val="70866714"/>
+        <p14:creationId xmlns:p14="http://schemas.microsoft.com/office/powerpoint/2010/main" val="3212949845"/>
       </p:ext>
     </p:extLst>
   </p:cSld>
@@ -2344,15 +2183,15 @@
         </p:nvSpPr>
         <p:spPr>
           <a:xfrm>
-            <a:off x="1792288" y="4800600"/>
-            <a:ext cx="5486400" cy="566738"/>
+            <a:off x="346413" y="152400"/>
+            <a:ext cx="1622048" cy="533400"/>
           </a:xfrm>
         </p:spPr>
         <p:txBody>
           <a:bodyPr anchor="b"/>
           <a:lstStyle>
-            <a:lvl1pPr algn="l">
-              <a:defRPr sz="2000" b="1"/>
+            <a:lvl1pPr>
+              <a:defRPr sz="1067"/>
             </a:lvl1pPr>
           </a:lstStyle>
           <a:p>
@@ -2360,7 +2199,7 @@
               <a:rPr lang="en-US" smtClean="0"/>
               <a:t>Click to edit Master title style</a:t>
             </a:r>
-            <a:endParaRPr lang="en-US"/>
+            <a:endParaRPr lang="en-US" dirty="0"/>
           </a:p>
         </p:txBody>
       </p:sp>
@@ -2368,7 +2207,7 @@
         <p:nvSpPr>
           <p:cNvPr id="3" name="Picture Placeholder 2"/>
           <p:cNvSpPr>
-            <a:spLocks noGrp="1"/>
+            <a:spLocks noGrp="1" noChangeAspect="1"/>
           </p:cNvSpPr>
           <p:nvPr>
             <p:ph type="pic" idx="1"/>
@@ -2376,52 +2215,56 @@
         </p:nvSpPr>
         <p:spPr>
           <a:xfrm>
-            <a:off x="1792288" y="612775"/>
-            <a:ext cx="5486400" cy="4114800"/>
+            <a:off x="2138065" y="329142"/>
+            <a:ext cx="2546033" cy="1624542"/>
           </a:xfrm>
         </p:spPr>
         <p:txBody>
-          <a:bodyPr/>
+          <a:bodyPr anchor="t"/>
           <a:lstStyle>
             <a:lvl1pPr marL="0" indent="0">
               <a:buNone/>
-              <a:defRPr sz="3200"/>
+              <a:defRPr sz="1067"/>
             </a:lvl1pPr>
-            <a:lvl2pPr marL="457200" indent="0">
-              <a:buNone/>
-              <a:defRPr sz="2800"/>
+            <a:lvl2pPr marL="152385" indent="0">
+              <a:buNone/>
+              <a:defRPr sz="933"/>
             </a:lvl2pPr>
-            <a:lvl3pPr marL="914400" indent="0">
-              <a:buNone/>
-              <a:defRPr sz="2400"/>
+            <a:lvl3pPr marL="304770" indent="0">
+              <a:buNone/>
+              <a:defRPr sz="800"/>
             </a:lvl3pPr>
-            <a:lvl4pPr marL="1371600" indent="0">
-              <a:buNone/>
-              <a:defRPr sz="2000"/>
+            <a:lvl4pPr marL="457154" indent="0">
+              <a:buNone/>
+              <a:defRPr sz="667"/>
             </a:lvl4pPr>
-            <a:lvl5pPr marL="1828800" indent="0">
-              <a:buNone/>
-              <a:defRPr sz="2000"/>
+            <a:lvl5pPr marL="609539" indent="0">
+              <a:buNone/>
+              <a:defRPr sz="667"/>
             </a:lvl5pPr>
-            <a:lvl6pPr marL="2286000" indent="0">
-              <a:buNone/>
-              <a:defRPr sz="2000"/>
+            <a:lvl6pPr marL="761924" indent="0">
+              <a:buNone/>
+              <a:defRPr sz="667"/>
             </a:lvl6pPr>
-            <a:lvl7pPr marL="2743200" indent="0">
-              <a:buNone/>
-              <a:defRPr sz="2000"/>
+            <a:lvl7pPr marL="914309" indent="0">
+              <a:buNone/>
+              <a:defRPr sz="667"/>
             </a:lvl7pPr>
-            <a:lvl8pPr marL="3200400" indent="0">
-              <a:buNone/>
-              <a:defRPr sz="2000"/>
+            <a:lvl8pPr marL="1066693" indent="0">
+              <a:buNone/>
+              <a:defRPr sz="667"/>
             </a:lvl8pPr>
-            <a:lvl9pPr marL="3657600" indent="0">
-              <a:buNone/>
-              <a:defRPr sz="2000"/>
+            <a:lvl9pPr marL="1219078" indent="0">
+              <a:buNone/>
+              <a:defRPr sz="667"/>
             </a:lvl9pPr>
           </a:lstStyle>
           <a:p>
-            <a:endParaRPr lang="en-US"/>
+            <a:r>
+              <a:rPr lang="en-US" smtClean="0"/>
+              <a:t>Click icon to add picture</a:t>
+            </a:r>
+            <a:endParaRPr lang="en-US" dirty="0"/>
           </a:p>
         </p:txBody>
       </p:sp>
@@ -2437,8 +2280,8 @@
         </p:nvSpPr>
         <p:spPr>
           <a:xfrm>
-            <a:off x="1792288" y="5367338"/>
-            <a:ext cx="5486400" cy="804862"/>
+            <a:off x="346413" y="685800"/>
+            <a:ext cx="1622048" cy="1270529"/>
           </a:xfrm>
         </p:spPr>
         <p:txBody>
@@ -2446,39 +2289,39 @@
           <a:lstStyle>
             <a:lvl1pPr marL="0" indent="0">
               <a:buNone/>
-              <a:defRPr sz="1400"/>
+              <a:defRPr sz="533"/>
             </a:lvl1pPr>
-            <a:lvl2pPr marL="457200" indent="0">
-              <a:buNone/>
-              <a:defRPr sz="1200"/>
+            <a:lvl2pPr marL="152385" indent="0">
+              <a:buNone/>
+              <a:defRPr sz="467"/>
             </a:lvl2pPr>
-            <a:lvl3pPr marL="914400" indent="0">
-              <a:buNone/>
-              <a:defRPr sz="1000"/>
+            <a:lvl3pPr marL="304770" indent="0">
+              <a:buNone/>
+              <a:defRPr sz="400"/>
             </a:lvl3pPr>
-            <a:lvl4pPr marL="1371600" indent="0">
-              <a:buNone/>
-              <a:defRPr sz="900"/>
+            <a:lvl4pPr marL="457154" indent="0">
+              <a:buNone/>
+              <a:defRPr sz="333"/>
             </a:lvl4pPr>
-            <a:lvl5pPr marL="1828800" indent="0">
-              <a:buNone/>
-              <a:defRPr sz="900"/>
+            <a:lvl5pPr marL="609539" indent="0">
+              <a:buNone/>
+              <a:defRPr sz="333"/>
             </a:lvl5pPr>
-            <a:lvl6pPr marL="2286000" indent="0">
-              <a:buNone/>
-              <a:defRPr sz="900"/>
+            <a:lvl6pPr marL="761924" indent="0">
+              <a:buNone/>
+              <a:defRPr sz="333"/>
             </a:lvl6pPr>
-            <a:lvl7pPr marL="2743200" indent="0">
-              <a:buNone/>
-              <a:defRPr sz="900"/>
+            <a:lvl7pPr marL="914309" indent="0">
+              <a:buNone/>
+              <a:defRPr sz="333"/>
             </a:lvl7pPr>
-            <a:lvl8pPr marL="3200400" indent="0">
-              <a:buNone/>
-              <a:defRPr sz="900"/>
+            <a:lvl8pPr marL="1066693" indent="0">
+              <a:buNone/>
+              <a:defRPr sz="333"/>
             </a:lvl8pPr>
-            <a:lvl9pPr marL="3657600" indent="0">
-              <a:buNone/>
-              <a:defRPr sz="900"/>
+            <a:lvl9pPr marL="1219078" indent="0">
+              <a:buNone/>
+              <a:defRPr sz="333"/>
             </a:lvl9pPr>
           </a:lstStyle>
           <a:p>
@@ -2505,9 +2348,9 @@
           <a:bodyPr/>
           <a:lstStyle/>
           <a:p>
-            <a:fld id="{20FB0255-B5DB-46FA-967A-DA0374A9CD9A}" type="datetimeFigureOut">
-              <a:rPr lang="en-US" smtClean="0"/>
-              <a:t>5/13/2014</a:t>
+            <a:fld id="{826BABD9-5B28-46C1-A021-719E36C8F576}" type="datetimeFigureOut">
+              <a:rPr lang="en-US" smtClean="0"/>
+              <a:t>4/11/2016</a:t>
             </a:fld>
             <a:endParaRPr lang="en-US"/>
           </a:p>
@@ -2547,7 +2390,7 @@
           <a:bodyPr/>
           <a:lstStyle/>
           <a:p>
-            <a:fld id="{019A3BD6-3C80-458A-81A5-9F275B22957D}" type="slidenum">
+            <a:fld id="{BFCA410A-F057-47E9-9447-DCE499AB4620}" type="slidenum">
               <a:rPr lang="en-US" smtClean="0"/>
               <a:t>‹#›</a:t>
             </a:fld>
@@ -2558,7 +2401,7 @@
     </p:spTree>
     <p:extLst>
       <p:ext uri="{BB962C8B-B14F-4D97-AF65-F5344CB8AC3E}">
-        <p14:creationId xmlns:p14="http://schemas.microsoft.com/office/powerpoint/2010/main" val="2039841995"/>
+        <p14:creationId xmlns:p14="http://schemas.microsoft.com/office/powerpoint/2010/main" val="3227271499"/>
       </p:ext>
     </p:extLst>
   </p:cSld>
@@ -2602,8 +2445,8 @@
         </p:nvSpPr>
         <p:spPr>
           <a:xfrm>
-            <a:off x="457200" y="274638"/>
-            <a:ext cx="8229600" cy="1143000"/>
+            <a:off x="345758" y="121709"/>
+            <a:ext cx="4337685" cy="441854"/>
           </a:xfrm>
           <a:prstGeom prst="rect">
             <a:avLst/>
@@ -2619,7 +2462,7 @@
               <a:rPr lang="en-US" smtClean="0"/>
               <a:t>Click to edit Master title style</a:t>
             </a:r>
-            <a:endParaRPr lang="en-US"/>
+            <a:endParaRPr lang="en-US" dirty="0"/>
           </a:p>
         </p:txBody>
       </p:sp>
@@ -2635,8 +2478,8 @@
         </p:nvSpPr>
         <p:spPr>
           <a:xfrm>
-            <a:off x="457200" y="1600200"/>
-            <a:ext cx="8229600" cy="4525963"/>
+            <a:off x="345758" y="608542"/>
+            <a:ext cx="4337685" cy="1450446"/>
           </a:xfrm>
           <a:prstGeom prst="rect">
             <a:avLst/>
@@ -2681,7 +2524,7 @@
               <a:rPr lang="en-US" smtClean="0"/>
               <a:t>Fifth level</a:t>
             </a:r>
-            <a:endParaRPr lang="en-US"/>
+            <a:endParaRPr lang="en-US" dirty="0"/>
           </a:p>
         </p:txBody>
       </p:sp>
@@ -2697,8 +2540,8 @@
         </p:nvSpPr>
         <p:spPr>
           <a:xfrm>
-            <a:off x="457200" y="6356350"/>
-            <a:ext cx="2133600" cy="365125"/>
+            <a:off x="345758" y="2118784"/>
+            <a:ext cx="1131570" cy="121708"/>
           </a:xfrm>
           <a:prstGeom prst="rect">
             <a:avLst/>
@@ -2708,7 +2551,7 @@
           <a:bodyPr vert="horz" lIns="91440" tIns="45720" rIns="91440" bIns="45720" rtlCol="0" anchor="ctr"/>
           <a:lstStyle>
             <a:lvl1pPr algn="l">
-              <a:defRPr sz="1200">
+              <a:defRPr sz="400">
                 <a:solidFill>
                   <a:schemeClr val="tx1">
                     <a:tint val="75000"/>
@@ -2718,9 +2561,9 @@
             </a:lvl1pPr>
           </a:lstStyle>
           <a:p>
-            <a:fld id="{20FB0255-B5DB-46FA-967A-DA0374A9CD9A}" type="datetimeFigureOut">
-              <a:rPr lang="en-US" smtClean="0"/>
-              <a:t>5/13/2014</a:t>
+            <a:fld id="{826BABD9-5B28-46C1-A021-719E36C8F576}" type="datetimeFigureOut">
+              <a:rPr lang="en-US" smtClean="0"/>
+              <a:t>4/11/2016</a:t>
             </a:fld>
             <a:endParaRPr lang="en-US"/>
           </a:p>
@@ -2738,8 +2581,8 @@
         </p:nvSpPr>
         <p:spPr>
           <a:xfrm>
-            <a:off x="3124200" y="6356350"/>
-            <a:ext cx="2895600" cy="365125"/>
+            <a:off x="1665923" y="2118784"/>
+            <a:ext cx="1697355" cy="121708"/>
           </a:xfrm>
           <a:prstGeom prst="rect">
             <a:avLst/>
@@ -2749,7 +2592,7 @@
           <a:bodyPr vert="horz" lIns="91440" tIns="45720" rIns="91440" bIns="45720" rtlCol="0" anchor="ctr"/>
           <a:lstStyle>
             <a:lvl1pPr algn="ctr">
-              <a:defRPr sz="1200">
+              <a:defRPr sz="400">
                 <a:solidFill>
                   <a:schemeClr val="tx1">
                     <a:tint val="75000"/>
@@ -2775,8 +2618,8 @@
         </p:nvSpPr>
         <p:spPr>
           <a:xfrm>
-            <a:off x="6553200" y="6356350"/>
-            <a:ext cx="2133600" cy="365125"/>
+            <a:off x="3551873" y="2118784"/>
+            <a:ext cx="1131570" cy="121708"/>
           </a:xfrm>
           <a:prstGeom prst="rect">
             <a:avLst/>
@@ -2786,7 +2629,7 @@
           <a:bodyPr vert="horz" lIns="91440" tIns="45720" rIns="91440" bIns="45720" rtlCol="0" anchor="ctr"/>
           <a:lstStyle>
             <a:lvl1pPr algn="r">
-              <a:defRPr sz="1200">
+              <a:defRPr sz="400">
                 <a:solidFill>
                   <a:schemeClr val="tx1">
                     <a:tint val="75000"/>
@@ -2796,7 +2639,7 @@
             </a:lvl1pPr>
           </a:lstStyle>
           <a:p>
-            <a:fld id="{019A3BD6-3C80-458A-81A5-9F275B22957D}" type="slidenum">
+            <a:fld id="{BFCA410A-F057-47E9-9447-DCE499AB4620}" type="slidenum">
               <a:rPr lang="en-US" smtClean="0"/>
               <a:t>‹#›</a:t>
             </a:fld>
@@ -2807,32 +2650,35 @@
     </p:spTree>
     <p:extLst>
       <p:ext uri="{BB962C8B-B14F-4D97-AF65-F5344CB8AC3E}">
-        <p14:creationId xmlns:p14="http://schemas.microsoft.com/office/powerpoint/2010/main" val="1603408943"/>
+        <p14:creationId xmlns:p14="http://schemas.microsoft.com/office/powerpoint/2010/main" val="1706988495"/>
       </p:ext>
     </p:extLst>
   </p:cSld>
   <p:clrMap bg1="lt1" tx1="dk1" bg2="lt2" tx2="dk2" accent1="accent1" accent2="accent2" accent3="accent3" accent4="accent4" accent5="accent5" accent6="accent6" hlink="hlink" folHlink="folHlink"/>
   <p:sldLayoutIdLst>
-    <p:sldLayoutId id="2147483649" r:id="rId1"/>
-    <p:sldLayoutId id="2147483650" r:id="rId2"/>
-    <p:sldLayoutId id="2147483651" r:id="rId3"/>
-    <p:sldLayoutId id="2147483652" r:id="rId4"/>
-    <p:sldLayoutId id="2147483653" r:id="rId5"/>
-    <p:sldLayoutId id="2147483654" r:id="rId6"/>
-    <p:sldLayoutId id="2147483655" r:id="rId7"/>
-    <p:sldLayoutId id="2147483656" r:id="rId8"/>
-    <p:sldLayoutId id="2147483657" r:id="rId9"/>
-    <p:sldLayoutId id="2147483658" r:id="rId10"/>
-    <p:sldLayoutId id="2147483659" r:id="rId11"/>
+    <p:sldLayoutId id="2147483673" r:id="rId1"/>
+    <p:sldLayoutId id="2147483674" r:id="rId2"/>
+    <p:sldLayoutId id="2147483675" r:id="rId3"/>
+    <p:sldLayoutId id="2147483676" r:id="rId4"/>
+    <p:sldLayoutId id="2147483677" r:id="rId5"/>
+    <p:sldLayoutId id="2147483678" r:id="rId6"/>
+    <p:sldLayoutId id="2147483679" r:id="rId7"/>
+    <p:sldLayoutId id="2147483680" r:id="rId8"/>
+    <p:sldLayoutId id="2147483681" r:id="rId9"/>
+    <p:sldLayoutId id="2147483682" r:id="rId10"/>
+    <p:sldLayoutId id="2147483683" r:id="rId11"/>
   </p:sldLayoutIdLst>
   <p:txStyles>
     <p:titleStyle>
-      <a:lvl1pPr algn="ctr" defTabSz="914400" rtl="0" eaLnBrk="1" latinLnBrk="0" hangingPunct="1">
+      <a:lvl1pPr algn="l" defTabSz="304770" rtl="0" eaLnBrk="1" latinLnBrk="0" hangingPunct="1">
+        <a:lnSpc>
+          <a:spcPct val="90000"/>
+        </a:lnSpc>
         <a:spcBef>
           <a:spcPct val="0"/>
         </a:spcBef>
         <a:buNone/>
-        <a:defRPr sz="4400" kern="1200">
+        <a:defRPr sz="1467" kern="1200">
           <a:solidFill>
             <a:schemeClr val="tx1"/>
           </a:solidFill>
@@ -2843,13 +2689,16 @@
       </a:lvl1pPr>
     </p:titleStyle>
     <p:bodyStyle>
-      <a:lvl1pPr marL="342900" indent="-342900" algn="l" defTabSz="914400" rtl="0" eaLnBrk="1" latinLnBrk="0" hangingPunct="1">
+      <a:lvl1pPr marL="76192" indent="-76192" algn="l" defTabSz="304770" rtl="0" eaLnBrk="1" latinLnBrk="0" hangingPunct="1">
+        <a:lnSpc>
+          <a:spcPct val="90000"/>
+        </a:lnSpc>
         <a:spcBef>
-          <a:spcPct val="20000"/>
+          <a:spcPts val="333"/>
         </a:spcBef>
-        <a:buFont typeface="Arial" pitchFamily="34" charset="0"/>
+        <a:buFont typeface="Arial" panose="020B0604020202020204" pitchFamily="34" charset="0"/>
         <a:buChar char="•"/>
-        <a:defRPr sz="3200" kern="1200">
+        <a:defRPr sz="933" kern="1200">
           <a:solidFill>
             <a:schemeClr val="tx1"/>
           </a:solidFill>
@@ -2858,13 +2707,16 @@
           <a:cs typeface="+mn-cs"/>
         </a:defRPr>
       </a:lvl1pPr>
-      <a:lvl2pPr marL="742950" indent="-285750" algn="l" defTabSz="914400" rtl="0" eaLnBrk="1" latinLnBrk="0" hangingPunct="1">
+      <a:lvl2pPr marL="228577" indent="-76192" algn="l" defTabSz="304770" rtl="0" eaLnBrk="1" latinLnBrk="0" hangingPunct="1">
+        <a:lnSpc>
+          <a:spcPct val="90000"/>
+        </a:lnSpc>
         <a:spcBef>
-          <a:spcPct val="20000"/>
+          <a:spcPts val="167"/>
         </a:spcBef>
-        <a:buFont typeface="Arial" pitchFamily="34" charset="0"/>
-        <a:buChar char="–"/>
-        <a:defRPr sz="2800" kern="1200">
+        <a:buFont typeface="Arial" panose="020B0604020202020204" pitchFamily="34" charset="0"/>
+        <a:buChar char="•"/>
+        <a:defRPr sz="800" kern="1200">
           <a:solidFill>
             <a:schemeClr val="tx1"/>
           </a:solidFill>
@@ -2873,13 +2725,16 @@
           <a:cs typeface="+mn-cs"/>
         </a:defRPr>
       </a:lvl2pPr>
-      <a:lvl3pPr marL="1143000" indent="-228600" algn="l" defTabSz="914400" rtl="0" eaLnBrk="1" latinLnBrk="0" hangingPunct="1">
+      <a:lvl3pPr marL="380962" indent="-76192" algn="l" defTabSz="304770" rtl="0" eaLnBrk="1" latinLnBrk="0" hangingPunct="1">
+        <a:lnSpc>
+          <a:spcPct val="90000"/>
+        </a:lnSpc>
         <a:spcBef>
-          <a:spcPct val="20000"/>
+          <a:spcPts val="167"/>
         </a:spcBef>
-        <a:buFont typeface="Arial" pitchFamily="34" charset="0"/>
+        <a:buFont typeface="Arial" panose="020B0604020202020204" pitchFamily="34" charset="0"/>
         <a:buChar char="•"/>
-        <a:defRPr sz="2400" kern="1200">
+        <a:defRPr sz="667" kern="1200">
           <a:solidFill>
             <a:schemeClr val="tx1"/>
           </a:solidFill>
@@ -2888,13 +2743,16 @@
           <a:cs typeface="+mn-cs"/>
         </a:defRPr>
       </a:lvl3pPr>
-      <a:lvl4pPr marL="1600200" indent="-228600" algn="l" defTabSz="914400" rtl="0" eaLnBrk="1" latinLnBrk="0" hangingPunct="1">
+      <a:lvl4pPr marL="533347" indent="-76192" algn="l" defTabSz="304770" rtl="0" eaLnBrk="1" latinLnBrk="0" hangingPunct="1">
+        <a:lnSpc>
+          <a:spcPct val="90000"/>
+        </a:lnSpc>
         <a:spcBef>
-          <a:spcPct val="20000"/>
+          <a:spcPts val="167"/>
         </a:spcBef>
-        <a:buFont typeface="Arial" pitchFamily="34" charset="0"/>
-        <a:buChar char="–"/>
-        <a:defRPr sz="2000" kern="1200">
+        <a:buFont typeface="Arial" panose="020B0604020202020204" pitchFamily="34" charset="0"/>
+        <a:buChar char="•"/>
+        <a:defRPr sz="600" kern="1200">
           <a:solidFill>
             <a:schemeClr val="tx1"/>
           </a:solidFill>
@@ -2903,13 +2761,16 @@
           <a:cs typeface="+mn-cs"/>
         </a:defRPr>
       </a:lvl4pPr>
-      <a:lvl5pPr marL="2057400" indent="-228600" algn="l" defTabSz="914400" rtl="0" eaLnBrk="1" latinLnBrk="0" hangingPunct="1">
+      <a:lvl5pPr marL="685731" indent="-76192" algn="l" defTabSz="304770" rtl="0" eaLnBrk="1" latinLnBrk="0" hangingPunct="1">
+        <a:lnSpc>
+          <a:spcPct val="90000"/>
+        </a:lnSpc>
         <a:spcBef>
-          <a:spcPct val="20000"/>
+          <a:spcPts val="167"/>
         </a:spcBef>
-        <a:buFont typeface="Arial" pitchFamily="34" charset="0"/>
-        <a:buChar char="»"/>
-        <a:defRPr sz="2000" kern="1200">
+        <a:buFont typeface="Arial" panose="020B0604020202020204" pitchFamily="34" charset="0"/>
+        <a:buChar char="•"/>
+        <a:defRPr sz="600" kern="1200">
           <a:solidFill>
             <a:schemeClr val="tx1"/>
           </a:solidFill>
@@ -2918,13 +2779,16 @@
           <a:cs typeface="+mn-cs"/>
         </a:defRPr>
       </a:lvl5pPr>
-      <a:lvl6pPr marL="2514600" indent="-228600" algn="l" defTabSz="914400" rtl="0" eaLnBrk="1" latinLnBrk="0" hangingPunct="1">
+      <a:lvl6pPr marL="838116" indent="-76192" algn="l" defTabSz="304770" rtl="0" eaLnBrk="1" latinLnBrk="0" hangingPunct="1">
+        <a:lnSpc>
+          <a:spcPct val="90000"/>
+        </a:lnSpc>
         <a:spcBef>
-          <a:spcPct val="20000"/>
+          <a:spcPts val="167"/>
         </a:spcBef>
-        <a:buFont typeface="Arial" pitchFamily="34" charset="0"/>
+        <a:buFont typeface="Arial" panose="020B0604020202020204" pitchFamily="34" charset="0"/>
         <a:buChar char="•"/>
-        <a:defRPr sz="2000" kern="1200">
+        <a:defRPr sz="600" kern="1200">
           <a:solidFill>
             <a:schemeClr val="tx1"/>
           </a:solidFill>
@@ -2933,13 +2797,16 @@
           <a:cs typeface="+mn-cs"/>
         </a:defRPr>
       </a:lvl6pPr>
-      <a:lvl7pPr marL="2971800" indent="-228600" algn="l" defTabSz="914400" rtl="0" eaLnBrk="1" latinLnBrk="0" hangingPunct="1">
+      <a:lvl7pPr marL="990501" indent="-76192" algn="l" defTabSz="304770" rtl="0" eaLnBrk="1" latinLnBrk="0" hangingPunct="1">
+        <a:lnSpc>
+          <a:spcPct val="90000"/>
+        </a:lnSpc>
         <a:spcBef>
-          <a:spcPct val="20000"/>
+          <a:spcPts val="167"/>
         </a:spcBef>
-        <a:buFont typeface="Arial" pitchFamily="34" charset="0"/>
+        <a:buFont typeface="Arial" panose="020B0604020202020204" pitchFamily="34" charset="0"/>
         <a:buChar char="•"/>
-        <a:defRPr sz="2000" kern="1200">
+        <a:defRPr sz="600" kern="1200">
           <a:solidFill>
             <a:schemeClr val="tx1"/>
           </a:solidFill>
@@ -2948,13 +2815,16 @@
           <a:cs typeface="+mn-cs"/>
         </a:defRPr>
       </a:lvl7pPr>
-      <a:lvl8pPr marL="3429000" indent="-228600" algn="l" defTabSz="914400" rtl="0" eaLnBrk="1" latinLnBrk="0" hangingPunct="1">
+      <a:lvl8pPr marL="1142886" indent="-76192" algn="l" defTabSz="304770" rtl="0" eaLnBrk="1" latinLnBrk="0" hangingPunct="1">
+        <a:lnSpc>
+          <a:spcPct val="90000"/>
+        </a:lnSpc>
         <a:spcBef>
-          <a:spcPct val="20000"/>
+          <a:spcPts val="167"/>
         </a:spcBef>
-        <a:buFont typeface="Arial" pitchFamily="34" charset="0"/>
+        <a:buFont typeface="Arial" panose="020B0604020202020204" pitchFamily="34" charset="0"/>
         <a:buChar char="•"/>
-        <a:defRPr sz="2000" kern="1200">
+        <a:defRPr sz="600" kern="1200">
           <a:solidFill>
             <a:schemeClr val="tx1"/>
           </a:solidFill>
@@ -2963,13 +2833,16 @@
           <a:cs typeface="+mn-cs"/>
         </a:defRPr>
       </a:lvl8pPr>
-      <a:lvl9pPr marL="3886200" indent="-228600" algn="l" defTabSz="914400" rtl="0" eaLnBrk="1" latinLnBrk="0" hangingPunct="1">
+      <a:lvl9pPr marL="1295270" indent="-76192" algn="l" defTabSz="304770" rtl="0" eaLnBrk="1" latinLnBrk="0" hangingPunct="1">
+        <a:lnSpc>
+          <a:spcPct val="90000"/>
+        </a:lnSpc>
         <a:spcBef>
-          <a:spcPct val="20000"/>
+          <a:spcPts val="167"/>
         </a:spcBef>
-        <a:buFont typeface="Arial" pitchFamily="34" charset="0"/>
+        <a:buFont typeface="Arial" panose="020B0604020202020204" pitchFamily="34" charset="0"/>
         <a:buChar char="•"/>
-        <a:defRPr sz="2000" kern="1200">
+        <a:defRPr sz="600" kern="1200">
           <a:solidFill>
             <a:schemeClr val="tx1"/>
           </a:solidFill>
@@ -2983,8 +2856,8 @@
       <a:defPPr>
         <a:defRPr lang="en-US"/>
       </a:defPPr>
-      <a:lvl1pPr marL="0" algn="l" defTabSz="914400" rtl="0" eaLnBrk="1" latinLnBrk="0" hangingPunct="1">
-        <a:defRPr sz="1800" kern="1200">
+      <a:lvl1pPr marL="0" algn="l" defTabSz="304770" rtl="0" eaLnBrk="1" latinLnBrk="0" hangingPunct="1">
+        <a:defRPr sz="600" kern="1200">
           <a:solidFill>
             <a:schemeClr val="tx1"/>
           </a:solidFill>
@@ -2993,8 +2866,8 @@
           <a:cs typeface="+mn-cs"/>
         </a:defRPr>
       </a:lvl1pPr>
-      <a:lvl2pPr marL="457200" algn="l" defTabSz="914400" rtl="0" eaLnBrk="1" latinLnBrk="0" hangingPunct="1">
-        <a:defRPr sz="1800" kern="1200">
+      <a:lvl2pPr marL="152385" algn="l" defTabSz="304770" rtl="0" eaLnBrk="1" latinLnBrk="0" hangingPunct="1">
+        <a:defRPr sz="600" kern="1200">
           <a:solidFill>
             <a:schemeClr val="tx1"/>
           </a:solidFill>
@@ -3003,8 +2876,8 @@
           <a:cs typeface="+mn-cs"/>
         </a:defRPr>
       </a:lvl2pPr>
-      <a:lvl3pPr marL="914400" algn="l" defTabSz="914400" rtl="0" eaLnBrk="1" latinLnBrk="0" hangingPunct="1">
-        <a:defRPr sz="1800" kern="1200">
+      <a:lvl3pPr marL="304770" algn="l" defTabSz="304770" rtl="0" eaLnBrk="1" latinLnBrk="0" hangingPunct="1">
+        <a:defRPr sz="600" kern="1200">
           <a:solidFill>
             <a:schemeClr val="tx1"/>
           </a:solidFill>
@@ -3013,8 +2886,8 @@
           <a:cs typeface="+mn-cs"/>
         </a:defRPr>
       </a:lvl3pPr>
-      <a:lvl4pPr marL="1371600" algn="l" defTabSz="914400" rtl="0" eaLnBrk="1" latinLnBrk="0" hangingPunct="1">
-        <a:defRPr sz="1800" kern="1200">
+      <a:lvl4pPr marL="457154" algn="l" defTabSz="304770" rtl="0" eaLnBrk="1" latinLnBrk="0" hangingPunct="1">
+        <a:defRPr sz="600" kern="1200">
           <a:solidFill>
             <a:schemeClr val="tx1"/>
           </a:solidFill>
@@ -3023,8 +2896,8 @@
           <a:cs typeface="+mn-cs"/>
         </a:defRPr>
       </a:lvl4pPr>
-      <a:lvl5pPr marL="1828800" algn="l" defTabSz="914400" rtl="0" eaLnBrk="1" latinLnBrk="0" hangingPunct="1">
-        <a:defRPr sz="1800" kern="1200">
+      <a:lvl5pPr marL="609539" algn="l" defTabSz="304770" rtl="0" eaLnBrk="1" latinLnBrk="0" hangingPunct="1">
+        <a:defRPr sz="600" kern="1200">
           <a:solidFill>
             <a:schemeClr val="tx1"/>
           </a:solidFill>
@@ -3033,8 +2906,8 @@
           <a:cs typeface="+mn-cs"/>
         </a:defRPr>
       </a:lvl5pPr>
-      <a:lvl6pPr marL="2286000" algn="l" defTabSz="914400" rtl="0" eaLnBrk="1" latinLnBrk="0" hangingPunct="1">
-        <a:defRPr sz="1800" kern="1200">
+      <a:lvl6pPr marL="761924" algn="l" defTabSz="304770" rtl="0" eaLnBrk="1" latinLnBrk="0" hangingPunct="1">
+        <a:defRPr sz="600" kern="1200">
           <a:solidFill>
             <a:schemeClr val="tx1"/>
           </a:solidFill>
@@ -3043,8 +2916,8 @@
           <a:cs typeface="+mn-cs"/>
         </a:defRPr>
       </a:lvl6pPr>
-      <a:lvl7pPr marL="2743200" algn="l" defTabSz="914400" rtl="0" eaLnBrk="1" latinLnBrk="0" hangingPunct="1">
-        <a:defRPr sz="1800" kern="1200">
+      <a:lvl7pPr marL="914309" algn="l" defTabSz="304770" rtl="0" eaLnBrk="1" latinLnBrk="0" hangingPunct="1">
+        <a:defRPr sz="600" kern="1200">
           <a:solidFill>
             <a:schemeClr val="tx1"/>
           </a:solidFill>
@@ -3053,8 +2926,8 @@
           <a:cs typeface="+mn-cs"/>
         </a:defRPr>
       </a:lvl7pPr>
-      <a:lvl8pPr marL="3200400" algn="l" defTabSz="914400" rtl="0" eaLnBrk="1" latinLnBrk="0" hangingPunct="1">
-        <a:defRPr sz="1800" kern="1200">
+      <a:lvl8pPr marL="1066693" algn="l" defTabSz="304770" rtl="0" eaLnBrk="1" latinLnBrk="0" hangingPunct="1">
+        <a:defRPr sz="600" kern="1200">
           <a:solidFill>
             <a:schemeClr val="tx1"/>
           </a:solidFill>
@@ -3063,8 +2936,8 @@
           <a:cs typeface="+mn-cs"/>
         </a:defRPr>
       </a:lvl8pPr>
-      <a:lvl9pPr marL="3657600" algn="l" defTabSz="914400" rtl="0" eaLnBrk="1" latinLnBrk="0" hangingPunct="1">
-        <a:defRPr sz="1800" kern="1200">
+      <a:lvl9pPr marL="1219078" algn="l" defTabSz="304770" rtl="0" eaLnBrk="1" latinLnBrk="0" hangingPunct="1">
+        <a:defRPr sz="600" kern="1200">
           <a:solidFill>
             <a:schemeClr val="tx1"/>
           </a:solidFill>
@@ -3095,109 +2968,95 @@
           <a:chExt cx="0" cy="0"/>
         </a:xfrm>
       </p:grpSpPr>
-      <p:pic>
-        <p:nvPicPr>
-          <p:cNvPr id="5" name="Picture 15" descr="M2out202_136c.eps"/>
-          <p:cNvPicPr>
-            <a:picLocks noChangeAspect="1"/>
-          </p:cNvPicPr>
+      <p:grpSp>
+        <p:nvGrpSpPr>
+          <p:cNvPr id="6" name="Group 5"/>
+          <p:cNvGrpSpPr/>
           <p:nvPr/>
-        </p:nvPicPr>
-        <p:blipFill>
-          <a:blip r:embed="rId2" cstate="print"/>
-          <a:srcRect/>
-          <a:stretch>
-            <a:fillRect/>
-          </a:stretch>
-        </p:blipFill>
-        <p:spPr bwMode="auto">
+        </p:nvGrpSpPr>
+        <p:grpSpPr>
           <a:xfrm>
-            <a:off x="1981200" y="2020586"/>
-            <a:ext cx="1291156" cy="774627"/>
+            <a:off x="180871" y="-11379"/>
+            <a:ext cx="4723229" cy="2297378"/>
+            <a:chOff x="180871" y="-11379"/>
+            <a:chExt cx="4723229" cy="2297378"/>
           </a:xfrm>
-          <a:prstGeom prst="rect">
-            <a:avLst/>
-          </a:prstGeom>
-          <a:noFill/>
-          <a:ln w="9525">
-            <a:noFill/>
-            <a:miter lim="800000"/>
-            <a:headEnd/>
-            <a:tailEnd/>
-          </a:ln>
-        </p:spPr>
-      </p:pic>
-      <p:pic>
-        <p:nvPicPr>
-          <p:cNvPr id="6" name="Picture 5" descr="mn_dnr_col_logo.gif"/>
-          <p:cNvPicPr>
-            <a:picLocks noChangeAspect="1"/>
-          </p:cNvPicPr>
-          <p:nvPr/>
-        </p:nvPicPr>
-        <p:blipFill>
-          <a:blip r:embed="rId3" cstate="print"/>
-          <a:srcRect/>
-          <a:stretch>
-            <a:fillRect/>
-          </a:stretch>
-        </p:blipFill>
-        <p:spPr bwMode="auto">
-          <a:xfrm>
-            <a:off x="5715000" y="1832134"/>
-            <a:ext cx="868064" cy="1151530"/>
-          </a:xfrm>
-          <a:prstGeom prst="rect">
-            <a:avLst/>
-          </a:prstGeom>
-          <a:noFill/>
-          <a:ln w="9525">
-            <a:noFill/>
-            <a:miter lim="800000"/>
-            <a:headEnd/>
-            <a:tailEnd/>
-          </a:ln>
-        </p:spPr>
-      </p:pic>
-      <p:pic>
-        <p:nvPicPr>
-          <p:cNvPr id="8" name="Picture 7" descr="coop_logo.png"/>
-          <p:cNvPicPr>
-            <a:picLocks noChangeAspect="1"/>
-          </p:cNvPicPr>
-          <p:nvPr/>
-        </p:nvPicPr>
-        <p:blipFill>
-          <a:blip r:embed="rId4" cstate="print">
-            <a:clrChange>
-              <a:clrFrom>
-                <a:srgbClr val="FFFFFF"/>
-              </a:clrFrom>
-              <a:clrTo>
-                <a:srgbClr val="FFFFFF">
-                  <a:alpha val="0"/>
-                </a:srgbClr>
-              </a:clrTo>
-            </a:clrChange>
-          </a:blip>
-          <a:stretch>
-            <a:fillRect/>
-          </a:stretch>
-        </p:blipFill>
-        <p:spPr>
-          <a:xfrm>
-            <a:off x="3853046" y="1825087"/>
-            <a:ext cx="1281263" cy="1165625"/>
-          </a:xfrm>
-          <a:prstGeom prst="rect">
-            <a:avLst/>
-          </a:prstGeom>
-        </p:spPr>
-      </p:pic>
+        </p:grpSpPr>
+        <p:pic>
+          <p:nvPicPr>
+            <p:cNvPr id="2" name="Picture 1"/>
+            <p:cNvPicPr>
+              <a:picLocks noChangeAspect="1"/>
+            </p:cNvPicPr>
+            <p:nvPr/>
+          </p:nvPicPr>
+          <p:blipFill>
+            <a:blip r:embed="rId2">
+              <a:extLst>
+                <a:ext uri="{28A0092B-C50C-407E-A947-70E740481C1C}">
+                  <a14:useLocalDpi xmlns:a14="http://schemas.microsoft.com/office/drawing/2010/main" val="0"/>
+                </a:ext>
+              </a:extLst>
+            </a:blip>
+            <a:stretch>
+              <a:fillRect/>
+            </a:stretch>
+          </p:blipFill>
+          <p:spPr>
+            <a:xfrm>
+              <a:off x="180871" y="94690"/>
+              <a:ext cx="2080108" cy="2085241"/>
+            </a:xfrm>
+            <a:prstGeom prst="rect">
+              <a:avLst/>
+            </a:prstGeom>
+          </p:spPr>
+        </p:pic>
+        <p:pic>
+          <p:nvPicPr>
+            <p:cNvPr id="5" name="Picture 4"/>
+            <p:cNvPicPr>
+              <a:picLocks noChangeAspect="1"/>
+            </p:cNvPicPr>
+            <p:nvPr/>
+          </p:nvPicPr>
+          <p:blipFill>
+            <a:blip r:embed="rId3" cstate="print">
+              <a:clrChange>
+                <a:clrFrom>
+                  <a:srgbClr val="ED1C24"/>
+                </a:clrFrom>
+                <a:clrTo>
+                  <a:srgbClr val="ED1C24">
+                    <a:alpha val="0"/>
+                  </a:srgbClr>
+                </a:clrTo>
+              </a:clrChange>
+              <a:extLst>
+                <a:ext uri="{28A0092B-C50C-407E-A947-70E740481C1C}">
+                  <a14:useLocalDpi xmlns:a14="http://schemas.microsoft.com/office/drawing/2010/main" val="0"/>
+                </a:ext>
+              </a:extLst>
+            </a:blip>
+            <a:stretch>
+              <a:fillRect/>
+            </a:stretch>
+          </p:blipFill>
+          <p:spPr>
+            <a:xfrm>
+              <a:off x="2606722" y="-11379"/>
+              <a:ext cx="2297378" cy="2297378"/>
+            </a:xfrm>
+            <a:prstGeom prst="rect">
+              <a:avLst/>
+            </a:prstGeom>
+          </p:spPr>
+        </p:pic>
+      </p:grpSp>
     </p:spTree>
     <p:extLst>
       <p:ext uri="{BB962C8B-B14F-4D97-AF65-F5344CB8AC3E}">
-        <p14:creationId xmlns:p14="http://schemas.microsoft.com/office/powerpoint/2010/main" val="1887689288"/>
+        <p14:creationId xmlns:p14="http://schemas.microsoft.com/office/powerpoint/2010/main" val="4229425432"/>
       </p:ext>
     </p:extLst>
   </p:cSld>
@@ -3217,7 +3076,7 @@
 <file path=ppt/theme/theme1.xml><?xml version="1.0" encoding="utf-8"?>
 <a:theme xmlns:a="http://schemas.openxmlformats.org/drawingml/2006/main" name="Office Theme">
   <a:themeElements>
-    <a:clrScheme name="Office">
+    <a:clrScheme name="Office Theme">
       <a:dk1>
         <a:sysClr val="windowText" lastClr="000000"/>
       </a:dk1>
@@ -3225,39 +3084,39 @@
         <a:sysClr val="window" lastClr="FFFFFF"/>
       </a:lt1>
       <a:dk2>
-        <a:srgbClr val="1F497D"/>
+        <a:srgbClr val="44546A"/>
       </a:dk2>
       <a:lt2>
-        <a:srgbClr val="EEECE1"/>
+        <a:srgbClr val="E7E6E6"/>
       </a:lt2>
       <a:accent1>
-        <a:srgbClr val="4F81BD"/>
+        <a:srgbClr val="5B9BD5"/>
       </a:accent1>
       <a:accent2>
-        <a:srgbClr val="C0504D"/>
+        <a:srgbClr val="ED7D31"/>
       </a:accent2>
       <a:accent3>
-        <a:srgbClr val="9BBB59"/>
+        <a:srgbClr val="A5A5A5"/>
       </a:accent3>
       <a:accent4>
-        <a:srgbClr val="8064A2"/>
+        <a:srgbClr val="FFC000"/>
       </a:accent4>
       <a:accent5>
-        <a:srgbClr val="4BACC6"/>
+        <a:srgbClr val="4472C4"/>
       </a:accent5>
       <a:accent6>
-        <a:srgbClr val="F79646"/>
+        <a:srgbClr val="70AD47"/>
       </a:accent6>
       <a:hlink>
-        <a:srgbClr val="0000FF"/>
+        <a:srgbClr val="0563C1"/>
       </a:hlink>
       <a:folHlink>
-        <a:srgbClr val="800080"/>
+        <a:srgbClr val="954F72"/>
       </a:folHlink>
     </a:clrScheme>
-    <a:fontScheme name="Office">
+    <a:fontScheme name="Office Theme">
       <a:majorFont>
-        <a:latin typeface="Calibri"/>
+        <a:latin typeface="Calibri Light" panose="020F0302020204030204"/>
         <a:ea typeface=""/>
         <a:cs typeface=""/>
         <a:font script="Jpan" typeface="ＭＳ Ｐゴシック"/>
@@ -3292,7 +3151,7 @@
         <a:font script="Geor" typeface="Sylfaen"/>
       </a:majorFont>
       <a:minorFont>
-        <a:latin typeface="Calibri"/>
+        <a:latin typeface="Calibri" panose="020F0502020204030204"/>
         <a:ea typeface=""/>
         <a:cs typeface=""/>
         <a:font script="Jpan" typeface="ＭＳ Ｐゴシック"/>
@@ -3327,7 +3186,7 @@
         <a:font script="Geor" typeface="Sylfaen"/>
       </a:minorFont>
     </a:fontScheme>
-    <a:fmtScheme name="Office">
+    <a:fmtScheme name="Office Theme">
       <a:fillStyleLst>
         <a:solidFill>
           <a:schemeClr val="phClr"/>
@@ -3336,165 +3195,336 @@
           <a:gsLst>
             <a:gs pos="0">
               <a:schemeClr val="phClr">
-                <a:tint val="50000"/>
-                <a:satMod val="300000"/>
+                <a:lumMod val="110000"/>
+                <a:satMod val="105000"/>
+                <a:tint val="67000"/>
               </a:schemeClr>
             </a:gs>
-            <a:gs pos="35000">
+            <a:gs pos="50000">
               <a:schemeClr val="phClr">
-                <a:tint val="37000"/>
-                <a:satMod val="300000"/>
+                <a:lumMod val="105000"/>
+                <a:satMod val="103000"/>
+                <a:tint val="73000"/>
               </a:schemeClr>
             </a:gs>
             <a:gs pos="100000">
               <a:schemeClr val="phClr">
-                <a:tint val="15000"/>
-                <a:satMod val="350000"/>
+                <a:lumMod val="105000"/>
+                <a:satMod val="109000"/>
+                <a:tint val="81000"/>
               </a:schemeClr>
             </a:gs>
           </a:gsLst>
-          <a:lin ang="16200000" scaled="1"/>
+          <a:lin ang="5400000" scaled="0"/>
         </a:gradFill>
         <a:gradFill rotWithShape="1">
           <a:gsLst>
             <a:gs pos="0">
               <a:schemeClr val="phClr">
-                <a:shade val="51000"/>
-                <a:satMod val="130000"/>
+                <a:satMod val="103000"/>
+                <a:lumMod val="102000"/>
+                <a:tint val="94000"/>
               </a:schemeClr>
             </a:gs>
-            <a:gs pos="80000">
+            <a:gs pos="50000">
               <a:schemeClr val="phClr">
-                <a:shade val="93000"/>
-                <a:satMod val="130000"/>
+                <a:satMod val="110000"/>
+                <a:lumMod val="100000"/>
+                <a:shade val="100000"/>
               </a:schemeClr>
             </a:gs>
             <a:gs pos="100000">
               <a:schemeClr val="phClr">
-                <a:shade val="94000"/>
-                <a:satMod val="135000"/>
+                <a:lumMod val="99000"/>
+                <a:satMod val="120000"/>
+                <a:shade val="78000"/>
               </a:schemeClr>
             </a:gs>
           </a:gsLst>
-          <a:lin ang="16200000" scaled="0"/>
+          <a:lin ang="5400000" scaled="0"/>
         </a:gradFill>
       </a:fillStyleLst>
       <a:lnStyleLst>
-        <a:ln w="9525" cap="flat" cmpd="sng" algn="ctr">
-          <a:solidFill>
-            <a:schemeClr val="phClr">
-              <a:shade val="95000"/>
-              <a:satMod val="105000"/>
-            </a:schemeClr>
-          </a:solidFill>
-          <a:prstDash val="solid"/>
-        </a:ln>
-        <a:ln w="25400" cap="flat" cmpd="sng" algn="ctr">
+        <a:ln w="6350" cap="flat" cmpd="sng" algn="ctr">
           <a:solidFill>
             <a:schemeClr val="phClr"/>
           </a:solidFill>
           <a:prstDash val="solid"/>
+          <a:miter lim="800000"/>
         </a:ln>
-        <a:ln w="38100" cap="flat" cmpd="sng" algn="ctr">
+        <a:ln w="12700" cap="flat" cmpd="sng" algn="ctr">
           <a:solidFill>
             <a:schemeClr val="phClr"/>
           </a:solidFill>
           <a:prstDash val="solid"/>
+          <a:miter lim="800000"/>
+        </a:ln>
+        <a:ln w="19050" cap="flat" cmpd="sng" algn="ctr">
+          <a:solidFill>
+            <a:schemeClr val="phClr"/>
+          </a:solidFill>
+          <a:prstDash val="solid"/>
+          <a:miter lim="800000"/>
         </a:ln>
       </a:lnStyleLst>
       <a:effectStyleLst>
         <a:effectStyle>
+          <a:effectLst/>
+        </a:effectStyle>
+        <a:effectStyle>
+          <a:effectLst/>
+        </a:effectStyle>
+        <a:effectStyle>
           <a:effectLst>
-            <a:outerShdw blurRad="40000" dist="20000" dir="5400000" rotWithShape="0">
+            <a:outerShdw blurRad="57150" dist="19050" dir="5400000" algn="ctr" rotWithShape="0">
               <a:srgbClr val="000000">
-                <a:alpha val="38000"/>
+                <a:alpha val="63000"/>
               </a:srgbClr>
             </a:outerShdw>
           </a:effectLst>
-        </a:effectStyle>
-        <a:effectStyle>
-          <a:effectLst>
-            <a:outerShdw blurRad="40000" dist="23000" dir="5400000" rotWithShape="0">
-              <a:srgbClr val="000000">
-                <a:alpha val="35000"/>
-              </a:srgbClr>
-            </a:outerShdw>
-          </a:effectLst>
-        </a:effectStyle>
-        <a:effectStyle>
-          <a:effectLst>
-            <a:outerShdw blurRad="40000" dist="23000" dir="5400000" rotWithShape="0">
-              <a:srgbClr val="000000">
-                <a:alpha val="35000"/>
-              </a:srgbClr>
-            </a:outerShdw>
-          </a:effectLst>
-          <a:scene3d>
-            <a:camera prst="orthographicFront">
-              <a:rot lat="0" lon="0" rev="0"/>
-            </a:camera>
-            <a:lightRig rig="threePt" dir="t">
-              <a:rot lat="0" lon="0" rev="1200000"/>
-            </a:lightRig>
-          </a:scene3d>
-          <a:sp3d>
-            <a:bevelT w="63500" h="25400"/>
-          </a:sp3d>
         </a:effectStyle>
       </a:effectStyleLst>
       <a:bgFillStyleLst>
         <a:solidFill>
           <a:schemeClr val="phClr"/>
         </a:solidFill>
+        <a:solidFill>
+          <a:schemeClr val="phClr">
+            <a:tint val="95000"/>
+            <a:satMod val="170000"/>
+          </a:schemeClr>
+        </a:solidFill>
         <a:gradFill rotWithShape="1">
           <a:gsLst>
             <a:gs pos="0">
               <a:schemeClr val="phClr">
-                <a:tint val="40000"/>
-                <a:satMod val="350000"/>
+                <a:tint val="93000"/>
+                <a:satMod val="150000"/>
+                <a:shade val="98000"/>
+                <a:lumMod val="102000"/>
               </a:schemeClr>
             </a:gs>
-            <a:gs pos="40000">
+            <a:gs pos="50000">
               <a:schemeClr val="phClr">
-                <a:tint val="45000"/>
-                <a:shade val="99000"/>
-                <a:satMod val="350000"/>
+                <a:tint val="98000"/>
+                <a:satMod val="130000"/>
+                <a:shade val="90000"/>
+                <a:lumMod val="103000"/>
               </a:schemeClr>
             </a:gs>
             <a:gs pos="100000">
               <a:schemeClr val="phClr">
-                <a:shade val="20000"/>
-                <a:satMod val="255000"/>
+                <a:shade val="63000"/>
+                <a:satMod val="120000"/>
               </a:schemeClr>
             </a:gs>
           </a:gsLst>
-          <a:path path="circle">
-            <a:fillToRect l="50000" t="-80000" r="50000" b="180000"/>
-          </a:path>
-        </a:gradFill>
-        <a:gradFill rotWithShape="1">
-          <a:gsLst>
-            <a:gs pos="0">
-              <a:schemeClr val="phClr">
-                <a:tint val="80000"/>
-                <a:satMod val="300000"/>
-              </a:schemeClr>
-            </a:gs>
-            <a:gs pos="100000">
-              <a:schemeClr val="phClr">
-                <a:shade val="30000"/>
-                <a:satMod val="200000"/>
-              </a:schemeClr>
-            </a:gs>
-          </a:gsLst>
-          <a:path path="circle">
-            <a:fillToRect l="50000" t="50000" r="50000" b="50000"/>
-          </a:path>
+          <a:lin ang="5400000" scaled="0"/>
         </a:gradFill>
       </a:bgFillStyleLst>
     </a:fmtScheme>
   </a:themeElements>
   <a:objectDefaults/>
   <a:extraClrSchemeLst/>
+  <a:extLst>
+    <a:ext uri="{05A4C25C-085E-4340-85A3-A5531E510DB2}">
+      <thm15:themeFamily xmlns:thm15="http://schemas.microsoft.com/office/thememl/2012/main" name="Office Theme" id="{62F939B6-93AF-4DB8-9C6B-D6C7DFDC589F}" vid="{4A3C46E8-61CC-4603-A589-7422A47A8E4A}"/>
+    </a:ext>
+  </a:extLst>
 </a:theme>
+</file>
+
+<file path=customXml/item1.xml><?xml version="1.0" encoding="utf-8"?>
+<EsriMapsInfo xmlns="ESRI.ArcGIS.Mapping.OfficeIntegration.PowerPointInfo">
+  <Version>Version1</Version>
+  <RequiresSignIn>False</RequiresSignIn>
+</EsriMapsInfo>
+</file>
+
+<file path=customXml/item10.xml><?xml version="1.0" encoding="utf-8"?>
+<EsriMapsInfo xmlns="ESRI.ArcGIS.Mapping.OfficeIntegration.PowerPointInfo">
+  <Version>Version1</Version>
+  <RequiresSignIn>False</RequiresSignIn>
+</EsriMapsInfo>
+</file>
+
+<file path=customXml/item11.xml><?xml version="1.0" encoding="utf-8"?>
+<EsriMapsInfo xmlns="ESRI.ArcGIS.Mapping.OfficeIntegration.PowerPointInfo">
+  <Version>Version1</Version>
+  <RequiresSignIn>False</RequiresSignIn>
+</EsriMapsInfo>
+</file>
+
+<file path=customXml/item12.xml><?xml version="1.0" encoding="utf-8"?>
+<EsriMapsInfo xmlns="ESRI.ArcGIS.Mapping.OfficeIntegration.PowerPointInfo">
+  <Version>Version1</Version>
+  <RequiresSignIn>False</RequiresSignIn>
+</EsriMapsInfo>
+</file>
+
+<file path=customXml/item13.xml><?xml version="1.0" encoding="utf-8"?>
+<EsriMapsInfo xmlns="ESRI.ArcGIS.Mapping.OfficeIntegration.PowerPointInfo">
+  <Version>Version1</Version>
+  <RequiresSignIn>False</RequiresSignIn>
+</EsriMapsInfo>
+</file>
+
+<file path=customXml/item2.xml><?xml version="1.0" encoding="utf-8"?>
+<EsriMapsInfo xmlns="ESRI.ArcGIS.Mapping.OfficeIntegration.PowerPointInfo">
+  <Version>Version1</Version>
+  <RequiresSignIn>False</RequiresSignIn>
+</EsriMapsInfo>
+</file>
+
+<file path=customXml/item3.xml><?xml version="1.0" encoding="utf-8"?>
+<EsriMapsInfo xmlns="ESRI.ArcGIS.Mapping.OfficeIntegration.PowerPointInfo">
+  <Version>Version1</Version>
+  <RequiresSignIn>False</RequiresSignIn>
+</EsriMapsInfo>
+</file>
+
+<file path=customXml/item4.xml><?xml version="1.0" encoding="utf-8"?>
+<EsriMapsInfo xmlns="ESRI.ArcGIS.Mapping.OfficeIntegration.PowerPointInfo">
+  <Version>Version1</Version>
+  <RequiresSignIn>False</RequiresSignIn>
+</EsriMapsInfo>
+</file>
+
+<file path=customXml/item5.xml><?xml version="1.0" encoding="utf-8"?>
+<EsriMapsInfo xmlns="ESRI.ArcGIS.Mapping.OfficeIntegration.PowerPointInfo">
+  <Version>Version1</Version>
+  <RequiresSignIn>False</RequiresSignIn>
+</EsriMapsInfo>
+</file>
+
+<file path=customXml/item6.xml><?xml version="1.0" encoding="utf-8"?>
+<EsriMapsInfo xmlns="ESRI.ArcGIS.Mapping.OfficeIntegration.PowerPointInfo">
+  <Version>Version1</Version>
+  <RequiresSignIn>False</RequiresSignIn>
+</EsriMapsInfo>
+</file>
+
+<file path=customXml/item7.xml><?xml version="1.0" encoding="utf-8"?>
+<EsriMapsInfo xmlns="ESRI.ArcGIS.Mapping.OfficeIntegration.PowerPointInfo">
+  <Version>Version1</Version>
+  <RequiresSignIn>False</RequiresSignIn>
+</EsriMapsInfo>
+</file>
+
+<file path=customXml/item8.xml><?xml version="1.0" encoding="utf-8"?>
+<EsriMapsInfo xmlns="ESRI.ArcGIS.Mapping.OfficeIntegration.PowerPointInfo">
+  <Version>Version1</Version>
+  <RequiresSignIn>False</RequiresSignIn>
+</EsriMapsInfo>
+</file>
+
+<file path=customXml/item9.xml><?xml version="1.0" encoding="utf-8"?>
+<EsriMapsInfo xmlns="ESRI.ArcGIS.Mapping.OfficeIntegration.PowerPointInfo">
+  <Version>Version1</Version>
+  <RequiresSignIn>False</RequiresSignIn>
+</EsriMapsInfo>
+</file>
+
+<file path=customXml/itemProps1.xml><?xml version="1.0" encoding="utf-8"?>
+<ds:datastoreItem xmlns:ds="http://schemas.openxmlformats.org/officeDocument/2006/customXml" ds:itemID="{F60284F6-ACB4-42DB-8B96-B4D852C502B4}">
+  <ds:schemaRefs>
+    <ds:schemaRef ds:uri="ESRI.ArcGIS.Mapping.OfficeIntegration.PowerPointInfo"/>
+  </ds:schemaRefs>
+</ds:datastoreItem>
+</file>
+
+<file path=customXml/itemProps10.xml><?xml version="1.0" encoding="utf-8"?>
+<ds:datastoreItem xmlns:ds="http://schemas.openxmlformats.org/officeDocument/2006/customXml" ds:itemID="{8EEB5FE6-845D-433D-8DAC-745FE6F3F832}">
+  <ds:schemaRefs>
+    <ds:schemaRef ds:uri="ESRI.ArcGIS.Mapping.OfficeIntegration.PowerPointInfo"/>
+  </ds:schemaRefs>
+</ds:datastoreItem>
+</file>
+
+<file path=customXml/itemProps11.xml><?xml version="1.0" encoding="utf-8"?>
+<ds:datastoreItem xmlns:ds="http://schemas.openxmlformats.org/officeDocument/2006/customXml" ds:itemID="{02B38CA2-00A6-449A-9C4E-5EA6A171EF96}">
+  <ds:schemaRefs>
+    <ds:schemaRef ds:uri="ESRI.ArcGIS.Mapping.OfficeIntegration.PowerPointInfo"/>
+  </ds:schemaRefs>
+</ds:datastoreItem>
+</file>
+
+<file path=customXml/itemProps12.xml><?xml version="1.0" encoding="utf-8"?>
+<ds:datastoreItem xmlns:ds="http://schemas.openxmlformats.org/officeDocument/2006/customXml" ds:itemID="{6CC5A7EC-7484-460C-B5E0-1FF1BC30D5BF}">
+  <ds:schemaRefs>
+    <ds:schemaRef ds:uri="ESRI.ArcGIS.Mapping.OfficeIntegration.PowerPointInfo"/>
+  </ds:schemaRefs>
+</ds:datastoreItem>
+</file>
+
+<file path=customXml/itemProps13.xml><?xml version="1.0" encoding="utf-8"?>
+<ds:datastoreItem xmlns:ds="http://schemas.openxmlformats.org/officeDocument/2006/customXml" ds:itemID="{42B3EAB5-0BF0-4FB4-87FE-E8FA572AF3E1}">
+  <ds:schemaRefs>
+    <ds:schemaRef ds:uri="ESRI.ArcGIS.Mapping.OfficeIntegration.PowerPointInfo"/>
+  </ds:schemaRefs>
+</ds:datastoreItem>
+</file>
+
+<file path=customXml/itemProps2.xml><?xml version="1.0" encoding="utf-8"?>
+<ds:datastoreItem xmlns:ds="http://schemas.openxmlformats.org/officeDocument/2006/customXml" ds:itemID="{3A85FA54-7DB5-41D8-A716-5EE95219D8D6}">
+  <ds:schemaRefs>
+    <ds:schemaRef ds:uri="ESRI.ArcGIS.Mapping.OfficeIntegration.PowerPointInfo"/>
+  </ds:schemaRefs>
+</ds:datastoreItem>
+</file>
+
+<file path=customXml/itemProps3.xml><?xml version="1.0" encoding="utf-8"?>
+<ds:datastoreItem xmlns:ds="http://schemas.openxmlformats.org/officeDocument/2006/customXml" ds:itemID="{30AD90CF-1C96-4767-9C38-57A56A1D4E93}">
+  <ds:schemaRefs>
+    <ds:schemaRef ds:uri="ESRI.ArcGIS.Mapping.OfficeIntegration.PowerPointInfo"/>
+  </ds:schemaRefs>
+</ds:datastoreItem>
+</file>
+
+<file path=customXml/itemProps4.xml><?xml version="1.0" encoding="utf-8"?>
+<ds:datastoreItem xmlns:ds="http://schemas.openxmlformats.org/officeDocument/2006/customXml" ds:itemID="{7880A6C1-172A-414B-9E48-C0EE972A6C54}">
+  <ds:schemaRefs>
+    <ds:schemaRef ds:uri="ESRI.ArcGIS.Mapping.OfficeIntegration.PowerPointInfo"/>
+  </ds:schemaRefs>
+</ds:datastoreItem>
+</file>
+
+<file path=customXml/itemProps5.xml><?xml version="1.0" encoding="utf-8"?>
+<ds:datastoreItem xmlns:ds="http://schemas.openxmlformats.org/officeDocument/2006/customXml" ds:itemID="{DC93F96C-7576-4703-B31D-56EB04D2308F}">
+  <ds:schemaRefs>
+    <ds:schemaRef ds:uri="ESRI.ArcGIS.Mapping.OfficeIntegration.PowerPointInfo"/>
+  </ds:schemaRefs>
+</ds:datastoreItem>
+</file>
+
+<file path=customXml/itemProps6.xml><?xml version="1.0" encoding="utf-8"?>
+<ds:datastoreItem xmlns:ds="http://schemas.openxmlformats.org/officeDocument/2006/customXml" ds:itemID="{AB775665-082F-46EF-B388-6D5032234AC6}">
+  <ds:schemaRefs>
+    <ds:schemaRef ds:uri="ESRI.ArcGIS.Mapping.OfficeIntegration.PowerPointInfo"/>
+  </ds:schemaRefs>
+</ds:datastoreItem>
+</file>
+
+<file path=customXml/itemProps7.xml><?xml version="1.0" encoding="utf-8"?>
+<ds:datastoreItem xmlns:ds="http://schemas.openxmlformats.org/officeDocument/2006/customXml" ds:itemID="{B7B2E715-BDEC-4FE8-9F1F-499518EB6420}">
+  <ds:schemaRefs>
+    <ds:schemaRef ds:uri="ESRI.ArcGIS.Mapping.OfficeIntegration.PowerPointInfo"/>
+  </ds:schemaRefs>
+</ds:datastoreItem>
+</file>
+
+<file path=customXml/itemProps8.xml><?xml version="1.0" encoding="utf-8"?>
+<ds:datastoreItem xmlns:ds="http://schemas.openxmlformats.org/officeDocument/2006/customXml" ds:itemID="{65024425-C56E-4FCA-8B7C-7818823F0530}">
+  <ds:schemaRefs>
+    <ds:schemaRef ds:uri="ESRI.ArcGIS.Mapping.OfficeIntegration.PowerPointInfo"/>
+  </ds:schemaRefs>
+</ds:datastoreItem>
+</file>
+
+<file path=customXml/itemProps9.xml><?xml version="1.0" encoding="utf-8"?>
+<ds:datastoreItem xmlns:ds="http://schemas.openxmlformats.org/officeDocument/2006/customXml" ds:itemID="{628DFC2F-7BC1-407B-8A38-B12C3D2074BA}">
+  <ds:schemaRefs>
+    <ds:schemaRef ds:uri="ESRI.ArcGIS.Mapping.OfficeIntegration.PowerPointInfo"/>
+  </ds:schemaRefs>
+</ds:datastoreItem>
 </file>